--- a/presentation.pptx
+++ b/presentation.pptx
@@ -4,6 +4,9 @@
   <p:sldMasterIdLst>
     <p:sldMasterId id="2147483673" r:id="rId1"/>
   </p:sldMasterIdLst>
+  <p:notesMasterIdLst>
+    <p:notesMasterId r:id="rId9"/>
+  </p:notesMasterIdLst>
   <p:sldIdLst>
     <p:sldId id="256" r:id="rId2"/>
     <p:sldId id="261" r:id="rId3"/>
@@ -110,7 +113,446 @@
       </a:defRPr>
     </a:lvl9pPr>
   </p:defaultTextStyle>
+  <p:extLst>
+    <p:ext uri="{EFAFB233-063F-42B5-8137-9DF3F51BA10A}">
+      <p15:sldGuideLst xmlns:p15="http://schemas.microsoft.com/office/powerpoint/2012/main"/>
+    </p:ext>
+  </p:extLst>
 </p:presentation>
+</file>
+
+<file path=ppt/notesMasters/notesMaster1.xml><?xml version="1.0" encoding="utf-8"?>
+<p:notesMaster xmlns:a="http://schemas.openxmlformats.org/drawingml/2006/main" xmlns:r="http://schemas.openxmlformats.org/officeDocument/2006/relationships" xmlns:p="http://schemas.openxmlformats.org/presentationml/2006/main">
+  <p:cSld>
+    <p:bg>
+      <p:bgRef idx="1001">
+        <a:schemeClr val="bg1"/>
+      </p:bgRef>
+    </p:bg>
+    <p:spTree>
+      <p:nvGrpSpPr>
+        <p:cNvPr id="1" name=""/>
+        <p:cNvGrpSpPr/>
+        <p:nvPr/>
+      </p:nvGrpSpPr>
+      <p:grpSpPr>
+        <a:xfrm>
+          <a:off x="0" y="0"/>
+          <a:ext cx="0" cy="0"/>
+          <a:chOff x="0" y="0"/>
+          <a:chExt cx="0" cy="0"/>
+        </a:xfrm>
+      </p:grpSpPr>
+      <p:sp>
+        <p:nvSpPr>
+          <p:cNvPr id="2" name="Kopfzeilenplatzhalter 1"/>
+          <p:cNvSpPr>
+            <a:spLocks noGrp="1"/>
+          </p:cNvSpPr>
+          <p:nvPr>
+            <p:ph type="hdr" sz="quarter"/>
+          </p:nvPr>
+        </p:nvSpPr>
+        <p:spPr>
+          <a:xfrm>
+            <a:off x="0" y="0"/>
+            <a:ext cx="2971800" cy="458788"/>
+          </a:xfrm>
+          <a:prstGeom prst="rect">
+            <a:avLst/>
+          </a:prstGeom>
+        </p:spPr>
+        <p:txBody>
+          <a:bodyPr vert="horz" lIns="91440" tIns="45720" rIns="91440" bIns="45720" rtlCol="0"/>
+          <a:lstStyle>
+            <a:lvl1pPr algn="l">
+              <a:defRPr sz="1200"/>
+            </a:lvl1pPr>
+          </a:lstStyle>
+          <a:p>
+            <a:endParaRPr lang="de-DE"/>
+          </a:p>
+        </p:txBody>
+      </p:sp>
+      <p:sp>
+        <p:nvSpPr>
+          <p:cNvPr id="3" name="Datumsplatzhalter 2"/>
+          <p:cNvSpPr>
+            <a:spLocks noGrp="1"/>
+          </p:cNvSpPr>
+          <p:nvPr>
+            <p:ph type="dt" idx="1"/>
+          </p:nvPr>
+        </p:nvSpPr>
+        <p:spPr>
+          <a:xfrm>
+            <a:off x="3884613" y="0"/>
+            <a:ext cx="2971800" cy="458788"/>
+          </a:xfrm>
+          <a:prstGeom prst="rect">
+            <a:avLst/>
+          </a:prstGeom>
+        </p:spPr>
+        <p:txBody>
+          <a:bodyPr vert="horz" lIns="91440" tIns="45720" rIns="91440" bIns="45720" rtlCol="0"/>
+          <a:lstStyle>
+            <a:lvl1pPr algn="r">
+              <a:defRPr sz="1200"/>
+            </a:lvl1pPr>
+          </a:lstStyle>
+          <a:p>
+            <a:fld id="{C067B4B0-8AC0-FC4C-AA6D-E782A74B0043}" type="datetimeFigureOut">
+              <a:rPr lang="de-DE" smtClean="0"/>
+              <a:t>10.04.16</a:t>
+            </a:fld>
+            <a:endParaRPr lang="de-DE"/>
+          </a:p>
+        </p:txBody>
+      </p:sp>
+      <p:sp>
+        <p:nvSpPr>
+          <p:cNvPr id="4" name="Folienbildplatzhalter 3"/>
+          <p:cNvSpPr>
+            <a:spLocks noGrp="1" noRot="1" noChangeAspect="1"/>
+          </p:cNvSpPr>
+          <p:nvPr>
+            <p:ph type="sldImg" idx="2"/>
+          </p:nvPr>
+        </p:nvSpPr>
+        <p:spPr>
+          <a:xfrm>
+            <a:off x="685800" y="1143000"/>
+            <a:ext cx="5486400" cy="3086100"/>
+          </a:xfrm>
+          <a:prstGeom prst="rect">
+            <a:avLst/>
+          </a:prstGeom>
+          <a:noFill/>
+          <a:ln w="12700">
+            <a:solidFill>
+              <a:prstClr val="black"/>
+            </a:solidFill>
+          </a:ln>
+        </p:spPr>
+        <p:txBody>
+          <a:bodyPr vert="horz" lIns="91440" tIns="45720" rIns="91440" bIns="45720" rtlCol="0" anchor="ctr"/>
+          <a:lstStyle/>
+          <a:p>
+            <a:endParaRPr lang="de-DE"/>
+          </a:p>
+        </p:txBody>
+      </p:sp>
+      <p:sp>
+        <p:nvSpPr>
+          <p:cNvPr id="5" name="Notizenplatzhalter 4"/>
+          <p:cNvSpPr>
+            <a:spLocks noGrp="1"/>
+          </p:cNvSpPr>
+          <p:nvPr>
+            <p:ph type="body" sz="quarter" idx="3"/>
+          </p:nvPr>
+        </p:nvSpPr>
+        <p:spPr>
+          <a:xfrm>
+            <a:off x="685800" y="4400550"/>
+            <a:ext cx="5486400" cy="3600450"/>
+          </a:xfrm>
+          <a:prstGeom prst="rect">
+            <a:avLst/>
+          </a:prstGeom>
+        </p:spPr>
+        <p:txBody>
+          <a:bodyPr vert="horz" lIns="91440" tIns="45720" rIns="91440" bIns="45720" rtlCol="0"/>
+          <a:lstStyle/>
+          <a:p>
+            <a:pPr lvl="0"/>
+            <a:r>
+              <a:rPr lang="de-DE" smtClean="0"/>
+              <a:t>Mastertextformat bearbeiten</a:t>
+            </a:r>
+          </a:p>
+          <a:p>
+            <a:pPr lvl="1"/>
+            <a:r>
+              <a:rPr lang="de-DE" smtClean="0"/>
+              <a:t>Zweite Ebene</a:t>
+            </a:r>
+          </a:p>
+          <a:p>
+            <a:pPr lvl="2"/>
+            <a:r>
+              <a:rPr lang="de-DE" smtClean="0"/>
+              <a:t>Dritte Ebene</a:t>
+            </a:r>
+          </a:p>
+          <a:p>
+            <a:pPr lvl="3"/>
+            <a:r>
+              <a:rPr lang="de-DE" smtClean="0"/>
+              <a:t>Vierte Ebene</a:t>
+            </a:r>
+          </a:p>
+          <a:p>
+            <a:pPr lvl="4"/>
+            <a:r>
+              <a:rPr lang="de-DE" smtClean="0"/>
+              <a:t>Fünfte Ebene</a:t>
+            </a:r>
+            <a:endParaRPr lang="de-DE"/>
+          </a:p>
+        </p:txBody>
+      </p:sp>
+      <p:sp>
+        <p:nvSpPr>
+          <p:cNvPr id="6" name="Fußzeilenplatzhalter 5"/>
+          <p:cNvSpPr>
+            <a:spLocks noGrp="1"/>
+          </p:cNvSpPr>
+          <p:nvPr>
+            <p:ph type="ftr" sz="quarter" idx="4"/>
+          </p:nvPr>
+        </p:nvSpPr>
+        <p:spPr>
+          <a:xfrm>
+            <a:off x="0" y="8685213"/>
+            <a:ext cx="2971800" cy="458787"/>
+          </a:xfrm>
+          <a:prstGeom prst="rect">
+            <a:avLst/>
+          </a:prstGeom>
+        </p:spPr>
+        <p:txBody>
+          <a:bodyPr vert="horz" lIns="91440" tIns="45720" rIns="91440" bIns="45720" rtlCol="0" anchor="b"/>
+          <a:lstStyle>
+            <a:lvl1pPr algn="l">
+              <a:defRPr sz="1200"/>
+            </a:lvl1pPr>
+          </a:lstStyle>
+          <a:p>
+            <a:endParaRPr lang="de-DE"/>
+          </a:p>
+        </p:txBody>
+      </p:sp>
+      <p:sp>
+        <p:nvSpPr>
+          <p:cNvPr id="7" name="Foliennummernplatzhalter 6"/>
+          <p:cNvSpPr>
+            <a:spLocks noGrp="1"/>
+          </p:cNvSpPr>
+          <p:nvPr>
+            <p:ph type="sldNum" sz="quarter" idx="5"/>
+          </p:nvPr>
+        </p:nvSpPr>
+        <p:spPr>
+          <a:xfrm>
+            <a:off x="3884613" y="8685213"/>
+            <a:ext cx="2971800" cy="458787"/>
+          </a:xfrm>
+          <a:prstGeom prst="rect">
+            <a:avLst/>
+          </a:prstGeom>
+        </p:spPr>
+        <p:txBody>
+          <a:bodyPr vert="horz" lIns="91440" tIns="45720" rIns="91440" bIns="45720" rtlCol="0" anchor="b"/>
+          <a:lstStyle>
+            <a:lvl1pPr algn="r">
+              <a:defRPr sz="1200"/>
+            </a:lvl1pPr>
+          </a:lstStyle>
+          <a:p>
+            <a:fld id="{BA9DA212-CB7F-3B47-8667-295B974EE33C}" type="slidenum">
+              <a:rPr lang="de-DE" smtClean="0"/>
+              <a:t>‹Nr.›</a:t>
+            </a:fld>
+            <a:endParaRPr lang="de-DE"/>
+          </a:p>
+        </p:txBody>
+      </p:sp>
+    </p:spTree>
+    <p:extLst>
+      <p:ext uri="{BB962C8B-B14F-4D97-AF65-F5344CB8AC3E}">
+        <p14:creationId xmlns:p14="http://schemas.microsoft.com/office/powerpoint/2010/main" val="1530209835"/>
+      </p:ext>
+    </p:extLst>
+  </p:cSld>
+  <p:clrMap bg1="lt1" tx1="dk1" bg2="lt2" tx2="dk2" accent1="accent1" accent2="accent2" accent3="accent3" accent4="accent4" accent5="accent5" accent6="accent6" hlink="hlink" folHlink="folHlink"/>
+  <p:notesStyle>
+    <a:lvl1pPr marL="0" algn="l" defTabSz="914400" rtl="0" eaLnBrk="1" latinLnBrk="0" hangingPunct="1">
+      <a:defRPr sz="1200" kern="1200">
+        <a:solidFill>
+          <a:schemeClr val="tx1"/>
+        </a:solidFill>
+        <a:latin typeface="+mn-lt"/>
+        <a:ea typeface="+mn-ea"/>
+        <a:cs typeface="+mn-cs"/>
+      </a:defRPr>
+    </a:lvl1pPr>
+    <a:lvl2pPr marL="457200" algn="l" defTabSz="914400" rtl="0" eaLnBrk="1" latinLnBrk="0" hangingPunct="1">
+      <a:defRPr sz="1200" kern="1200">
+        <a:solidFill>
+          <a:schemeClr val="tx1"/>
+        </a:solidFill>
+        <a:latin typeface="+mn-lt"/>
+        <a:ea typeface="+mn-ea"/>
+        <a:cs typeface="+mn-cs"/>
+      </a:defRPr>
+    </a:lvl2pPr>
+    <a:lvl3pPr marL="914400" algn="l" defTabSz="914400" rtl="0" eaLnBrk="1" latinLnBrk="0" hangingPunct="1">
+      <a:defRPr sz="1200" kern="1200">
+        <a:solidFill>
+          <a:schemeClr val="tx1"/>
+        </a:solidFill>
+        <a:latin typeface="+mn-lt"/>
+        <a:ea typeface="+mn-ea"/>
+        <a:cs typeface="+mn-cs"/>
+      </a:defRPr>
+    </a:lvl3pPr>
+    <a:lvl4pPr marL="1371600" algn="l" defTabSz="914400" rtl="0" eaLnBrk="1" latinLnBrk="0" hangingPunct="1">
+      <a:defRPr sz="1200" kern="1200">
+        <a:solidFill>
+          <a:schemeClr val="tx1"/>
+        </a:solidFill>
+        <a:latin typeface="+mn-lt"/>
+        <a:ea typeface="+mn-ea"/>
+        <a:cs typeface="+mn-cs"/>
+      </a:defRPr>
+    </a:lvl4pPr>
+    <a:lvl5pPr marL="1828800" algn="l" defTabSz="914400" rtl="0" eaLnBrk="1" latinLnBrk="0" hangingPunct="1">
+      <a:defRPr sz="1200" kern="1200">
+        <a:solidFill>
+          <a:schemeClr val="tx1"/>
+        </a:solidFill>
+        <a:latin typeface="+mn-lt"/>
+        <a:ea typeface="+mn-ea"/>
+        <a:cs typeface="+mn-cs"/>
+      </a:defRPr>
+    </a:lvl5pPr>
+    <a:lvl6pPr marL="2286000" algn="l" defTabSz="914400" rtl="0" eaLnBrk="1" latinLnBrk="0" hangingPunct="1">
+      <a:defRPr sz="1200" kern="1200">
+        <a:solidFill>
+          <a:schemeClr val="tx1"/>
+        </a:solidFill>
+        <a:latin typeface="+mn-lt"/>
+        <a:ea typeface="+mn-ea"/>
+        <a:cs typeface="+mn-cs"/>
+      </a:defRPr>
+    </a:lvl6pPr>
+    <a:lvl7pPr marL="2743200" algn="l" defTabSz="914400" rtl="0" eaLnBrk="1" latinLnBrk="0" hangingPunct="1">
+      <a:defRPr sz="1200" kern="1200">
+        <a:solidFill>
+          <a:schemeClr val="tx1"/>
+        </a:solidFill>
+        <a:latin typeface="+mn-lt"/>
+        <a:ea typeface="+mn-ea"/>
+        <a:cs typeface="+mn-cs"/>
+      </a:defRPr>
+    </a:lvl7pPr>
+    <a:lvl8pPr marL="3200400" algn="l" defTabSz="914400" rtl="0" eaLnBrk="1" latinLnBrk="0" hangingPunct="1">
+      <a:defRPr sz="1200" kern="1200">
+        <a:solidFill>
+          <a:schemeClr val="tx1"/>
+        </a:solidFill>
+        <a:latin typeface="+mn-lt"/>
+        <a:ea typeface="+mn-ea"/>
+        <a:cs typeface="+mn-cs"/>
+      </a:defRPr>
+    </a:lvl8pPr>
+    <a:lvl9pPr marL="3657600" algn="l" defTabSz="914400" rtl="0" eaLnBrk="1" latinLnBrk="0" hangingPunct="1">
+      <a:defRPr sz="1200" kern="1200">
+        <a:solidFill>
+          <a:schemeClr val="tx1"/>
+        </a:solidFill>
+        <a:latin typeface="+mn-lt"/>
+        <a:ea typeface="+mn-ea"/>
+        <a:cs typeface="+mn-cs"/>
+      </a:defRPr>
+    </a:lvl9pPr>
+  </p:notesStyle>
+</p:notesMaster>
+</file>
+
+<file path=ppt/notesSlides/notesSlide1.xml><?xml version="1.0" encoding="utf-8"?>
+<p:notes xmlns:a="http://schemas.openxmlformats.org/drawingml/2006/main" xmlns:r="http://schemas.openxmlformats.org/officeDocument/2006/relationships" xmlns:p="http://schemas.openxmlformats.org/presentationml/2006/main">
+  <p:cSld>
+    <p:spTree>
+      <p:nvGrpSpPr>
+        <p:cNvPr id="1" name=""/>
+        <p:cNvGrpSpPr/>
+        <p:nvPr/>
+      </p:nvGrpSpPr>
+      <p:grpSpPr>
+        <a:xfrm>
+          <a:off x="0" y="0"/>
+          <a:ext cx="0" cy="0"/>
+          <a:chOff x="0" y="0"/>
+          <a:chExt cx="0" cy="0"/>
+        </a:xfrm>
+      </p:grpSpPr>
+      <p:sp>
+        <p:nvSpPr>
+          <p:cNvPr id="2" name="Folienbildplatzhalter 1"/>
+          <p:cNvSpPr>
+            <a:spLocks noGrp="1" noRot="1" noChangeAspect="1"/>
+          </p:cNvSpPr>
+          <p:nvPr>
+            <p:ph type="sldImg"/>
+          </p:nvPr>
+        </p:nvSpPr>
+        <p:spPr/>
+      </p:sp>
+      <p:sp>
+        <p:nvSpPr>
+          <p:cNvPr id="3" name="Notizenplatzhalter 2"/>
+          <p:cNvSpPr>
+            <a:spLocks noGrp="1"/>
+          </p:cNvSpPr>
+          <p:nvPr>
+            <p:ph type="body" idx="1"/>
+          </p:nvPr>
+        </p:nvSpPr>
+        <p:spPr/>
+        <p:txBody>
+          <a:bodyPr/>
+          <a:lstStyle/>
+          <a:p>
+            <a:endParaRPr lang="de-DE" dirty="0"/>
+          </a:p>
+        </p:txBody>
+      </p:sp>
+      <p:sp>
+        <p:nvSpPr>
+          <p:cNvPr id="4" name="Foliennummernplatzhalter 3"/>
+          <p:cNvSpPr>
+            <a:spLocks noGrp="1"/>
+          </p:cNvSpPr>
+          <p:nvPr>
+            <p:ph type="sldNum" sz="quarter" idx="10"/>
+          </p:nvPr>
+        </p:nvSpPr>
+        <p:spPr/>
+        <p:txBody>
+          <a:bodyPr/>
+          <a:lstStyle/>
+          <a:p>
+            <a:fld id="{BA9DA212-CB7F-3B47-8667-295B974EE33C}" type="slidenum">
+              <a:rPr lang="de-DE" smtClean="0"/>
+              <a:t>3</a:t>
+            </a:fld>
+            <a:endParaRPr lang="de-DE"/>
+          </a:p>
+        </p:txBody>
+      </p:sp>
+    </p:spTree>
+    <p:extLst>
+      <p:ext uri="{BB962C8B-B14F-4D97-AF65-F5344CB8AC3E}">
+        <p14:creationId xmlns:p14="http://schemas.microsoft.com/office/powerpoint/2010/main" val="2120024020"/>
+      </p:ext>
+    </p:extLst>
+  </p:cSld>
+  <p:clrMapOvr>
+    <a:masterClrMapping/>
+  </p:clrMapOvr>
+</p:notes>
 </file>
 
 <file path=ppt/slideLayouts/slideLayout1.xml><?xml version="1.0" encoding="utf-8"?>
@@ -3709,6 +4151,25 @@
   <p:clrMapOvr>
     <a:masterClrMapping/>
   </p:clrMapOvr>
+  <mc:AlternateContent xmlns:mc="http://schemas.openxmlformats.org/markup-compatibility/2006">
+    <mc:Choice xmlns:p159="http://schemas.microsoft.com/office/powerpoint/2015/09/main" Requires="p159">
+      <p:transition xmlns:p14="http://schemas.microsoft.com/office/powerpoint/2010/main" spd="slow" p14:dur="2000">
+        <p159:morph option="byObject"/>
+      </p:transition>
+    </mc:Choice>
+    <mc:Fallback>
+      <p:transition spd="slow">
+        <p:fade/>
+      </p:transition>
+    </mc:Fallback>
+  </mc:AlternateContent>
+  <p:timing>
+    <p:tnLst>
+      <p:par>
+        <p:cTn id="1" dur="indefinite" restart="never" nodeType="tmRoot"/>
+      </p:par>
+    </p:tnLst>
+  </p:timing>
 </p:sld>
 </file>
 
@@ -3775,8 +4236,9 @@
             </a:pPr>
             <a:r>
               <a:rPr lang="de-DE" sz="3000" dirty="0" smtClean="0"/>
-              <a:t>Topics</a:t>
-            </a:r>
+              <a:t>Motivation</a:t>
+            </a:r>
+            <a:endParaRPr lang="de-DE" sz="3000" dirty="0" smtClean="0"/>
           </a:p>
           <a:p>
             <a:pPr>
@@ -3785,8 +4247,9 @@
             </a:pPr>
             <a:r>
               <a:rPr lang="de-DE" sz="3000" dirty="0" smtClean="0"/>
-              <a:t>Implementation</a:t>
-            </a:r>
+              <a:t>Problems &amp; Solution</a:t>
+            </a:r>
+            <a:endParaRPr lang="de-DE" sz="3000" dirty="0" smtClean="0"/>
           </a:p>
           <a:p>
             <a:pPr>
@@ -3795,7 +4258,7 @@
             </a:pPr>
             <a:r>
               <a:rPr lang="de-DE" sz="3000" dirty="0" smtClean="0"/>
-              <a:t>Demo</a:t>
+              <a:t>Prototype &amp; Demo</a:t>
             </a:r>
             <a:endParaRPr lang="de-DE" sz="3000" dirty="0"/>
           </a:p>
@@ -3811,6 +4274,186 @@
   <p:clrMapOvr>
     <a:masterClrMapping/>
   </p:clrMapOvr>
+  <p:timing>
+    <p:tnLst>
+      <p:par>
+        <p:cTn id="1" dur="indefinite" restart="never" nodeType="tmRoot">
+          <p:childTnLst>
+            <p:seq concurrent="1" nextAc="seek">
+              <p:cTn id="2" dur="indefinite" nodeType="mainSeq">
+                <p:childTnLst>
+                  <p:par>
+                    <p:cTn id="3" fill="hold">
+                      <p:stCondLst>
+                        <p:cond delay="indefinite"/>
+                      </p:stCondLst>
+                      <p:childTnLst>
+                        <p:par>
+                          <p:cTn id="4" fill="hold">
+                            <p:stCondLst>
+                              <p:cond delay="0"/>
+                            </p:stCondLst>
+                            <p:childTnLst>
+                              <p:par>
+                                <p:cTn id="5" presetID="1" presetClass="entr" presetSubtype="0" fill="hold" grpId="0" nodeType="clickEffect">
+                                  <p:stCondLst>
+                                    <p:cond delay="0"/>
+                                  </p:stCondLst>
+                                  <p:childTnLst>
+                                    <p:set>
+                                      <p:cBhvr>
+                                        <p:cTn id="6" dur="1" fill="hold">
+                                          <p:stCondLst>
+                                            <p:cond delay="0"/>
+                                          </p:stCondLst>
+                                        </p:cTn>
+                                        <p:tgtEl>
+                                          <p:spTgt spid="3">
+                                            <p:txEl>
+                                              <p:pRg st="0" end="0"/>
+                                            </p:txEl>
+                                          </p:spTgt>
+                                        </p:tgtEl>
+                                        <p:attrNameLst>
+                                          <p:attrName>style.visibility</p:attrName>
+                                        </p:attrNameLst>
+                                      </p:cBhvr>
+                                      <p:to>
+                                        <p:strVal val="visible"/>
+                                      </p:to>
+                                    </p:set>
+                                  </p:childTnLst>
+                                </p:cTn>
+                              </p:par>
+                            </p:childTnLst>
+                          </p:cTn>
+                        </p:par>
+                      </p:childTnLst>
+                    </p:cTn>
+                  </p:par>
+                  <p:par>
+                    <p:cTn id="7" fill="hold">
+                      <p:stCondLst>
+                        <p:cond delay="indefinite"/>
+                      </p:stCondLst>
+                      <p:childTnLst>
+                        <p:par>
+                          <p:cTn id="8" fill="hold">
+                            <p:stCondLst>
+                              <p:cond delay="0"/>
+                            </p:stCondLst>
+                            <p:childTnLst>
+                              <p:par>
+                                <p:cTn id="9" presetID="1" presetClass="entr" presetSubtype="0" fill="hold" grpId="0" nodeType="clickEffect">
+                                  <p:stCondLst>
+                                    <p:cond delay="0"/>
+                                  </p:stCondLst>
+                                  <p:childTnLst>
+                                    <p:set>
+                                      <p:cBhvr>
+                                        <p:cTn id="10" dur="1" fill="hold">
+                                          <p:stCondLst>
+                                            <p:cond delay="0"/>
+                                          </p:stCondLst>
+                                        </p:cTn>
+                                        <p:tgtEl>
+                                          <p:spTgt spid="3">
+                                            <p:txEl>
+                                              <p:pRg st="1" end="1"/>
+                                            </p:txEl>
+                                          </p:spTgt>
+                                        </p:tgtEl>
+                                        <p:attrNameLst>
+                                          <p:attrName>style.visibility</p:attrName>
+                                        </p:attrNameLst>
+                                      </p:cBhvr>
+                                      <p:to>
+                                        <p:strVal val="visible"/>
+                                      </p:to>
+                                    </p:set>
+                                  </p:childTnLst>
+                                </p:cTn>
+                              </p:par>
+                            </p:childTnLst>
+                          </p:cTn>
+                        </p:par>
+                      </p:childTnLst>
+                    </p:cTn>
+                  </p:par>
+                  <p:par>
+                    <p:cTn id="11" fill="hold">
+                      <p:stCondLst>
+                        <p:cond delay="indefinite"/>
+                      </p:stCondLst>
+                      <p:childTnLst>
+                        <p:par>
+                          <p:cTn id="12" fill="hold">
+                            <p:stCondLst>
+                              <p:cond delay="0"/>
+                            </p:stCondLst>
+                            <p:childTnLst>
+                              <p:par>
+                                <p:cTn id="13" presetID="1" presetClass="entr" presetSubtype="0" fill="hold" grpId="0" nodeType="clickEffect">
+                                  <p:stCondLst>
+                                    <p:cond delay="0"/>
+                                  </p:stCondLst>
+                                  <p:childTnLst>
+                                    <p:set>
+                                      <p:cBhvr>
+                                        <p:cTn id="14" dur="1" fill="hold">
+                                          <p:stCondLst>
+                                            <p:cond delay="0"/>
+                                          </p:stCondLst>
+                                        </p:cTn>
+                                        <p:tgtEl>
+                                          <p:spTgt spid="3">
+                                            <p:txEl>
+                                              <p:pRg st="2" end="2"/>
+                                            </p:txEl>
+                                          </p:spTgt>
+                                        </p:tgtEl>
+                                        <p:attrNameLst>
+                                          <p:attrName>style.visibility</p:attrName>
+                                        </p:attrNameLst>
+                                      </p:cBhvr>
+                                      <p:to>
+                                        <p:strVal val="visible"/>
+                                      </p:to>
+                                    </p:set>
+                                  </p:childTnLst>
+                                </p:cTn>
+                              </p:par>
+                            </p:childTnLst>
+                          </p:cTn>
+                        </p:par>
+                      </p:childTnLst>
+                    </p:cTn>
+                  </p:par>
+                </p:childTnLst>
+              </p:cTn>
+              <p:prevCondLst>
+                <p:cond evt="onPrev" delay="0">
+                  <p:tgtEl>
+                    <p:sldTgt/>
+                  </p:tgtEl>
+                </p:cond>
+              </p:prevCondLst>
+              <p:nextCondLst>
+                <p:cond evt="onNext" delay="0">
+                  <p:tgtEl>
+                    <p:sldTgt/>
+                  </p:tgtEl>
+                </p:cond>
+              </p:nextCondLst>
+            </p:seq>
+          </p:childTnLst>
+        </p:cTn>
+      </p:par>
+    </p:tnLst>
+    <p:bldLst>
+      <p:bldP spid="3" grpId="0" uiExpand="1" build="p"/>
+    </p:bldLst>
+  </p:timing>
 </p:sld>
 </file>
 
@@ -3848,7 +4491,7 @@
           <a:p>
             <a:r>
               <a:rPr lang="de-DE" dirty="0" smtClean="0"/>
-              <a:t>Topics</a:t>
+              <a:t>Motivation</a:t>
             </a:r>
             <a:endParaRPr lang="de-DE" dirty="0"/>
           </a:p>
@@ -3864,10 +4507,15 @@
             <p:ph idx="1"/>
           </p:nvPr>
         </p:nvSpPr>
-        <p:spPr/>
+        <p:spPr>
+          <a:xfrm>
+            <a:off x="1451579" y="2015732"/>
+            <a:ext cx="9603275" cy="3927868"/>
+          </a:xfrm>
+        </p:spPr>
         <p:txBody>
           <a:bodyPr>
-            <a:normAutofit/>
+            <a:normAutofit fontScale="92500" lnSpcReduction="20000"/>
           </a:bodyPr>
           <a:lstStyle/>
           <a:p>
@@ -3876,20 +4524,98 @@
               <a:buChar char="•"/>
             </a:pPr>
             <a:r>
-              <a:rPr lang="de-DE" sz="3000" dirty="0" smtClean="0"/>
-              <a:t>Security</a:t>
-            </a:r>
-          </a:p>
-          <a:p>
-            <a:pPr>
+              <a:rPr lang="en-GB" sz="3000" dirty="0" smtClean="0"/>
+              <a:t>Today‘s smart houses are not perfect:</a:t>
+            </a:r>
+          </a:p>
+          <a:p>
+            <a:pPr lvl="1">
               <a:buFont typeface="Arial" charset="0"/>
               <a:buChar char="•"/>
             </a:pPr>
             <a:r>
-              <a:rPr lang="de-DE" sz="3000" dirty="0" err="1" smtClean="0"/>
-              <a:t>Reliability</a:t>
-            </a:r>
-            <a:endParaRPr lang="de-DE" sz="3000" dirty="0"/>
+              <a:rPr lang="en-GB" sz="2800" dirty="0" smtClean="0"/>
+              <a:t>In sensory network many things can go wrong:</a:t>
+            </a:r>
+          </a:p>
+          <a:p>
+            <a:pPr lvl="2">
+              <a:buFont typeface="Arial" charset="0"/>
+              <a:buChar char="•"/>
+            </a:pPr>
+            <a:r>
+              <a:rPr lang="en-GB" sz="2600" dirty="0" smtClean="0"/>
+              <a:t>No response, </a:t>
+            </a:r>
+            <a:r>
+              <a:rPr lang="en-GB" sz="2600" dirty="0"/>
+              <a:t>f</a:t>
+            </a:r>
+            <a:r>
+              <a:rPr lang="en-GB" sz="2600" dirty="0" smtClean="0"/>
+              <a:t>aulty values, </a:t>
+            </a:r>
+            <a:r>
+              <a:rPr lang="en-GB" sz="2600" dirty="0"/>
+              <a:t>c</a:t>
+            </a:r>
+            <a:r>
+              <a:rPr lang="en-GB" sz="2600" dirty="0" smtClean="0"/>
+              <a:t>ascading crashes, </a:t>
+            </a:r>
+            <a:r>
+              <a:rPr lang="is-IS" sz="2600" dirty="0" smtClean="0"/>
+              <a:t>…</a:t>
+            </a:r>
+            <a:endParaRPr lang="en-GB" sz="2600" dirty="0" smtClean="0"/>
+          </a:p>
+          <a:p>
+            <a:pPr lvl="1">
+              <a:buFont typeface="Arial" charset="0"/>
+              <a:buChar char="•"/>
+            </a:pPr>
+            <a:r>
+              <a:rPr lang="en-GB" sz="2800" dirty="0" smtClean="0"/>
+              <a:t>These networks are usually configured by professionals,  BUT are used by regular people	</a:t>
+            </a:r>
+          </a:p>
+          <a:p>
+            <a:pPr>
+              <a:buFont typeface="Wingdings" charset="2"/>
+              <a:buChar char="à"/>
+            </a:pPr>
+            <a:r>
+              <a:rPr lang="en-GB" sz="3200" dirty="0" smtClean="0">
+                <a:sym typeface="Wingdings"/>
+              </a:rPr>
+              <a:t>Tools for monitoring and reacting to network disasters become more important since they help to minimize the cost of possible damage</a:t>
+            </a:r>
+          </a:p>
+        </p:txBody>
+      </p:sp>
+      <p:sp>
+        <p:nvSpPr>
+          <p:cNvPr id="4" name="Textfeld 3"/>
+          <p:cNvSpPr txBox="1"/>
+          <p:nvPr/>
+        </p:nvSpPr>
+        <p:spPr>
+          <a:xfrm>
+            <a:off x="-2457450" y="-1771650"/>
+            <a:ext cx="184731" cy="369332"/>
+          </a:xfrm>
+          <a:prstGeom prst="rect">
+            <a:avLst/>
+          </a:prstGeom>
+          <a:noFill/>
+        </p:spPr>
+        <p:txBody>
+          <a:bodyPr wrap="none" rtlCol="0">
+            <a:spAutoFit/>
+          </a:bodyPr>
+          <a:lstStyle/>
+          <a:p>
+            <a:endParaRPr lang="de-DE" dirty="0"/>
           </a:p>
         </p:txBody>
       </p:sp>
@@ -3903,6 +4629,297 @@
   <p:clrMapOvr>
     <a:masterClrMapping/>
   </p:clrMapOvr>
+  <mc:AlternateContent xmlns:mc="http://schemas.openxmlformats.org/markup-compatibility/2006">
+    <mc:Choice xmlns:p14="http://schemas.microsoft.com/office/powerpoint/2010/main" Requires="p14">
+      <p:transition spd="med" p14:dur="700">
+        <p:fade/>
+      </p:transition>
+    </mc:Choice>
+    <mc:Fallback>
+      <p:transition spd="med">
+        <p:fade/>
+      </p:transition>
+    </mc:Fallback>
+  </mc:AlternateContent>
+  <p:timing>
+    <p:tnLst>
+      <p:par>
+        <p:cTn id="1" dur="indefinite" restart="never" nodeType="tmRoot">
+          <p:childTnLst>
+            <p:seq concurrent="1" nextAc="seek">
+              <p:cTn id="2" dur="indefinite" nodeType="mainSeq">
+                <p:childTnLst>
+                  <p:par>
+                    <p:cTn id="3" fill="hold">
+                      <p:stCondLst>
+                        <p:cond delay="indefinite"/>
+                      </p:stCondLst>
+                      <p:childTnLst>
+                        <p:par>
+                          <p:cTn id="4" fill="hold">
+                            <p:stCondLst>
+                              <p:cond delay="0"/>
+                            </p:stCondLst>
+                            <p:childTnLst>
+                              <p:par>
+                                <p:cTn id="5" presetID="1" presetClass="entr" presetSubtype="0" fill="hold" grpId="0" nodeType="clickEffect">
+                                  <p:stCondLst>
+                                    <p:cond delay="0"/>
+                                  </p:stCondLst>
+                                  <p:childTnLst>
+                                    <p:set>
+                                      <p:cBhvr>
+                                        <p:cTn id="6" dur="1" fill="hold">
+                                          <p:stCondLst>
+                                            <p:cond delay="0"/>
+                                          </p:stCondLst>
+                                        </p:cTn>
+                                        <p:tgtEl>
+                                          <p:spTgt spid="3">
+                                            <p:txEl>
+                                              <p:pRg st="0" end="0"/>
+                                            </p:txEl>
+                                          </p:spTgt>
+                                        </p:tgtEl>
+                                        <p:attrNameLst>
+                                          <p:attrName>style.visibility</p:attrName>
+                                        </p:attrNameLst>
+                                      </p:cBhvr>
+                                      <p:to>
+                                        <p:strVal val="visible"/>
+                                      </p:to>
+                                    </p:set>
+                                  </p:childTnLst>
+                                </p:cTn>
+                              </p:par>
+                            </p:childTnLst>
+                          </p:cTn>
+                        </p:par>
+                      </p:childTnLst>
+                    </p:cTn>
+                  </p:par>
+                  <p:par>
+                    <p:cTn id="7" fill="hold">
+                      <p:stCondLst>
+                        <p:cond delay="indefinite"/>
+                      </p:stCondLst>
+                      <p:childTnLst>
+                        <p:par>
+                          <p:cTn id="8" fill="hold">
+                            <p:stCondLst>
+                              <p:cond delay="0"/>
+                            </p:stCondLst>
+                            <p:childTnLst>
+                              <p:par>
+                                <p:cTn id="9" presetID="1" presetClass="entr" presetSubtype="0" fill="hold" grpId="0" nodeType="clickEffect">
+                                  <p:stCondLst>
+                                    <p:cond delay="0"/>
+                                  </p:stCondLst>
+                                  <p:childTnLst>
+                                    <p:set>
+                                      <p:cBhvr>
+                                        <p:cTn id="10" dur="1" fill="hold">
+                                          <p:stCondLst>
+                                            <p:cond delay="0"/>
+                                          </p:stCondLst>
+                                        </p:cTn>
+                                        <p:tgtEl>
+                                          <p:spTgt spid="3">
+                                            <p:txEl>
+                                              <p:pRg st="1" end="1"/>
+                                            </p:txEl>
+                                          </p:spTgt>
+                                        </p:tgtEl>
+                                        <p:attrNameLst>
+                                          <p:attrName>style.visibility</p:attrName>
+                                        </p:attrNameLst>
+                                      </p:cBhvr>
+                                      <p:to>
+                                        <p:strVal val="visible"/>
+                                      </p:to>
+                                    </p:set>
+                                  </p:childTnLst>
+                                </p:cTn>
+                              </p:par>
+                            </p:childTnLst>
+                          </p:cTn>
+                        </p:par>
+                      </p:childTnLst>
+                    </p:cTn>
+                  </p:par>
+                  <p:par>
+                    <p:cTn id="11" fill="hold">
+                      <p:stCondLst>
+                        <p:cond delay="indefinite"/>
+                      </p:stCondLst>
+                      <p:childTnLst>
+                        <p:par>
+                          <p:cTn id="12" fill="hold">
+                            <p:stCondLst>
+                              <p:cond delay="0"/>
+                            </p:stCondLst>
+                            <p:childTnLst>
+                              <p:par>
+                                <p:cTn id="13" presetID="1" presetClass="entr" presetSubtype="0" fill="hold" grpId="0" nodeType="clickEffect">
+                                  <p:stCondLst>
+                                    <p:cond delay="0"/>
+                                  </p:stCondLst>
+                                  <p:childTnLst>
+                                    <p:set>
+                                      <p:cBhvr>
+                                        <p:cTn id="14" dur="1" fill="hold">
+                                          <p:stCondLst>
+                                            <p:cond delay="0"/>
+                                          </p:stCondLst>
+                                        </p:cTn>
+                                        <p:tgtEl>
+                                          <p:spTgt spid="3">
+                                            <p:txEl>
+                                              <p:pRg st="2" end="2"/>
+                                            </p:txEl>
+                                          </p:spTgt>
+                                        </p:tgtEl>
+                                        <p:attrNameLst>
+                                          <p:attrName>style.visibility</p:attrName>
+                                        </p:attrNameLst>
+                                      </p:cBhvr>
+                                      <p:to>
+                                        <p:strVal val="visible"/>
+                                      </p:to>
+                                    </p:set>
+                                  </p:childTnLst>
+                                </p:cTn>
+                              </p:par>
+                            </p:childTnLst>
+                          </p:cTn>
+                        </p:par>
+                      </p:childTnLst>
+                    </p:cTn>
+                  </p:par>
+                  <p:par>
+                    <p:cTn id="15" fill="hold">
+                      <p:stCondLst>
+                        <p:cond delay="indefinite"/>
+                      </p:stCondLst>
+                      <p:childTnLst>
+                        <p:par>
+                          <p:cTn id="16" fill="hold">
+                            <p:stCondLst>
+                              <p:cond delay="0"/>
+                            </p:stCondLst>
+                            <p:childTnLst>
+                              <p:par>
+                                <p:cTn id="17" presetID="1" presetClass="entr" presetSubtype="0" fill="hold" grpId="0" nodeType="clickEffect">
+                                  <p:stCondLst>
+                                    <p:cond delay="0"/>
+                                  </p:stCondLst>
+                                  <p:childTnLst>
+                                    <p:set>
+                                      <p:cBhvr>
+                                        <p:cTn id="18" dur="1" fill="hold">
+                                          <p:stCondLst>
+                                            <p:cond delay="0"/>
+                                          </p:stCondLst>
+                                        </p:cTn>
+                                        <p:tgtEl>
+                                          <p:spTgt spid="3">
+                                            <p:txEl>
+                                              <p:pRg st="3" end="3"/>
+                                            </p:txEl>
+                                          </p:spTgt>
+                                        </p:tgtEl>
+                                        <p:attrNameLst>
+                                          <p:attrName>style.visibility</p:attrName>
+                                        </p:attrNameLst>
+                                      </p:cBhvr>
+                                      <p:to>
+                                        <p:strVal val="visible"/>
+                                      </p:to>
+                                    </p:set>
+                                  </p:childTnLst>
+                                </p:cTn>
+                              </p:par>
+                            </p:childTnLst>
+                          </p:cTn>
+                        </p:par>
+                      </p:childTnLst>
+                    </p:cTn>
+                  </p:par>
+                  <p:par>
+                    <p:cTn id="19" fill="hold">
+                      <p:stCondLst>
+                        <p:cond delay="indefinite"/>
+                      </p:stCondLst>
+                      <p:childTnLst>
+                        <p:par>
+                          <p:cTn id="20" fill="hold">
+                            <p:stCondLst>
+                              <p:cond delay="0"/>
+                            </p:stCondLst>
+                            <p:childTnLst>
+                              <p:par>
+                                <p:cTn id="21" presetID="1" presetClass="entr" presetSubtype="0" fill="hold" grpId="2" nodeType="clickEffect">
+                                  <p:stCondLst>
+                                    <p:cond delay="0"/>
+                                  </p:stCondLst>
+                                  <p:childTnLst>
+                                    <p:set>
+                                      <p:cBhvr>
+                                        <p:cTn id="22" dur="1" fill="hold">
+                                          <p:stCondLst>
+                                            <p:cond delay="0"/>
+                                          </p:stCondLst>
+                                        </p:cTn>
+                                        <p:tgtEl>
+                                          <p:spTgt spid="3">
+                                            <p:txEl>
+                                              <p:pRg st="4" end="4"/>
+                                            </p:txEl>
+                                          </p:spTgt>
+                                        </p:tgtEl>
+                                        <p:attrNameLst>
+                                          <p:attrName>style.visibility</p:attrName>
+                                        </p:attrNameLst>
+                                      </p:cBhvr>
+                                      <p:to>
+                                        <p:strVal val="visible"/>
+                                      </p:to>
+                                    </p:set>
+                                  </p:childTnLst>
+                                </p:cTn>
+                              </p:par>
+                            </p:childTnLst>
+                          </p:cTn>
+                        </p:par>
+                      </p:childTnLst>
+                    </p:cTn>
+                  </p:par>
+                </p:childTnLst>
+              </p:cTn>
+              <p:prevCondLst>
+                <p:cond evt="onPrev" delay="0">
+                  <p:tgtEl>
+                    <p:sldTgt/>
+                  </p:tgtEl>
+                </p:cond>
+              </p:prevCondLst>
+              <p:nextCondLst>
+                <p:cond evt="onNext" delay="0">
+                  <p:tgtEl>
+                    <p:sldTgt/>
+                  </p:tgtEl>
+                </p:cond>
+              </p:nextCondLst>
+            </p:seq>
+          </p:childTnLst>
+        </p:cTn>
+      </p:par>
+    </p:tnLst>
+    <p:bldLst>
+      <p:bldP spid="3" grpId="0" uiExpand="1" build="p" bldLvl="3"/>
+      <p:bldP spid="3" grpId="2" uiExpand="1" build="p"/>
+    </p:bldLst>
+  </p:timing>
 </p:sld>
 </file>
 
@@ -3940,7 +4957,7 @@
           <a:p>
             <a:r>
               <a:rPr lang="de-DE" dirty="0" smtClean="0"/>
-              <a:t>Security</a:t>
+              <a:t>Problems</a:t>
             </a:r>
             <a:endParaRPr lang="de-DE" dirty="0"/>
           </a:p>
@@ -3964,30 +4981,34 @@
           <a:lstStyle/>
           <a:p>
             <a:r>
-              <a:rPr lang="de-DE" sz="3000" dirty="0" smtClean="0"/>
-              <a:t>TODO: </a:t>
-            </a:r>
-            <a:r>
-              <a:rPr lang="de-DE" sz="3000" dirty="0" err="1" smtClean="0"/>
-              <a:t>talk</a:t>
-            </a:r>
-            <a:r>
-              <a:rPr lang="de-DE" sz="3000" dirty="0" smtClean="0"/>
-              <a:t> </a:t>
-            </a:r>
-            <a:r>
-              <a:rPr lang="de-DE" sz="3000" dirty="0" err="1" smtClean="0"/>
-              <a:t>about</a:t>
-            </a:r>
-            <a:r>
-              <a:rPr lang="de-DE" sz="3000" dirty="0" smtClean="0"/>
-              <a:t> an </a:t>
-            </a:r>
-            <a:r>
-              <a:rPr lang="de-DE" sz="3000" dirty="0" err="1" smtClean="0"/>
-              <a:t>example</a:t>
-            </a:r>
-            <a:endParaRPr lang="de-DE" sz="3000" dirty="0"/>
+              <a:rPr lang="en-GB" sz="3000" dirty="0" smtClean="0"/>
+              <a:t>Awareness of sensors‘ status any time</a:t>
+            </a:r>
+            <a:endParaRPr lang="en-GB" sz="3000" dirty="0" smtClean="0"/>
+          </a:p>
+          <a:p>
+            <a:r>
+              <a:rPr lang="en-GB" sz="3000" dirty="0" smtClean="0"/>
+              <a:t>Robustness of the damaged or hacked system</a:t>
+            </a:r>
+          </a:p>
+          <a:p>
+            <a:r>
+              <a:rPr lang="en-GB" sz="3000" dirty="0" smtClean="0"/>
+              <a:t>Learning possible risks and ways of handling and preventing them</a:t>
+            </a:r>
+          </a:p>
+          <a:p>
+            <a:endParaRPr lang="en-GB" sz="3000" dirty="0" smtClean="0"/>
+          </a:p>
+          <a:p>
+            <a:endParaRPr lang="en-GB" sz="3000" dirty="0" smtClean="0"/>
+          </a:p>
+          <a:p>
+            <a:endParaRPr lang="en-GB" sz="3000" dirty="0" smtClean="0"/>
+          </a:p>
+          <a:p>
+            <a:endParaRPr lang="en-GB" sz="3000" dirty="0"/>
           </a:p>
         </p:txBody>
       </p:sp>
@@ -4001,6 +5022,186 @@
   <p:clrMapOvr>
     <a:masterClrMapping/>
   </p:clrMapOvr>
+  <p:timing>
+    <p:tnLst>
+      <p:par>
+        <p:cTn id="1" dur="indefinite" restart="never" nodeType="tmRoot">
+          <p:childTnLst>
+            <p:seq concurrent="1" nextAc="seek">
+              <p:cTn id="2" dur="indefinite" nodeType="mainSeq">
+                <p:childTnLst>
+                  <p:par>
+                    <p:cTn id="3" fill="hold">
+                      <p:stCondLst>
+                        <p:cond delay="indefinite"/>
+                      </p:stCondLst>
+                      <p:childTnLst>
+                        <p:par>
+                          <p:cTn id="4" fill="hold">
+                            <p:stCondLst>
+                              <p:cond delay="0"/>
+                            </p:stCondLst>
+                            <p:childTnLst>
+                              <p:par>
+                                <p:cTn id="5" presetID="1" presetClass="entr" presetSubtype="0" fill="hold" grpId="0" nodeType="clickEffect">
+                                  <p:stCondLst>
+                                    <p:cond delay="0"/>
+                                  </p:stCondLst>
+                                  <p:childTnLst>
+                                    <p:set>
+                                      <p:cBhvr>
+                                        <p:cTn id="6" dur="1" fill="hold">
+                                          <p:stCondLst>
+                                            <p:cond delay="0"/>
+                                          </p:stCondLst>
+                                        </p:cTn>
+                                        <p:tgtEl>
+                                          <p:spTgt spid="3">
+                                            <p:txEl>
+                                              <p:pRg st="0" end="0"/>
+                                            </p:txEl>
+                                          </p:spTgt>
+                                        </p:tgtEl>
+                                        <p:attrNameLst>
+                                          <p:attrName>style.visibility</p:attrName>
+                                        </p:attrNameLst>
+                                      </p:cBhvr>
+                                      <p:to>
+                                        <p:strVal val="visible"/>
+                                      </p:to>
+                                    </p:set>
+                                  </p:childTnLst>
+                                </p:cTn>
+                              </p:par>
+                            </p:childTnLst>
+                          </p:cTn>
+                        </p:par>
+                      </p:childTnLst>
+                    </p:cTn>
+                  </p:par>
+                  <p:par>
+                    <p:cTn id="7" fill="hold">
+                      <p:stCondLst>
+                        <p:cond delay="indefinite"/>
+                      </p:stCondLst>
+                      <p:childTnLst>
+                        <p:par>
+                          <p:cTn id="8" fill="hold">
+                            <p:stCondLst>
+                              <p:cond delay="0"/>
+                            </p:stCondLst>
+                            <p:childTnLst>
+                              <p:par>
+                                <p:cTn id="9" presetID="1" presetClass="entr" presetSubtype="0" fill="hold" grpId="0" nodeType="clickEffect">
+                                  <p:stCondLst>
+                                    <p:cond delay="0"/>
+                                  </p:stCondLst>
+                                  <p:childTnLst>
+                                    <p:set>
+                                      <p:cBhvr>
+                                        <p:cTn id="10" dur="1" fill="hold">
+                                          <p:stCondLst>
+                                            <p:cond delay="0"/>
+                                          </p:stCondLst>
+                                        </p:cTn>
+                                        <p:tgtEl>
+                                          <p:spTgt spid="3">
+                                            <p:txEl>
+                                              <p:pRg st="1" end="1"/>
+                                            </p:txEl>
+                                          </p:spTgt>
+                                        </p:tgtEl>
+                                        <p:attrNameLst>
+                                          <p:attrName>style.visibility</p:attrName>
+                                        </p:attrNameLst>
+                                      </p:cBhvr>
+                                      <p:to>
+                                        <p:strVal val="visible"/>
+                                      </p:to>
+                                    </p:set>
+                                  </p:childTnLst>
+                                </p:cTn>
+                              </p:par>
+                            </p:childTnLst>
+                          </p:cTn>
+                        </p:par>
+                      </p:childTnLst>
+                    </p:cTn>
+                  </p:par>
+                  <p:par>
+                    <p:cTn id="11" fill="hold">
+                      <p:stCondLst>
+                        <p:cond delay="indefinite"/>
+                      </p:stCondLst>
+                      <p:childTnLst>
+                        <p:par>
+                          <p:cTn id="12" fill="hold">
+                            <p:stCondLst>
+                              <p:cond delay="0"/>
+                            </p:stCondLst>
+                            <p:childTnLst>
+                              <p:par>
+                                <p:cTn id="13" presetID="1" presetClass="entr" presetSubtype="0" fill="hold" grpId="0" nodeType="clickEffect">
+                                  <p:stCondLst>
+                                    <p:cond delay="0"/>
+                                  </p:stCondLst>
+                                  <p:childTnLst>
+                                    <p:set>
+                                      <p:cBhvr>
+                                        <p:cTn id="14" dur="1" fill="hold">
+                                          <p:stCondLst>
+                                            <p:cond delay="0"/>
+                                          </p:stCondLst>
+                                        </p:cTn>
+                                        <p:tgtEl>
+                                          <p:spTgt spid="3">
+                                            <p:txEl>
+                                              <p:pRg st="2" end="2"/>
+                                            </p:txEl>
+                                          </p:spTgt>
+                                        </p:tgtEl>
+                                        <p:attrNameLst>
+                                          <p:attrName>style.visibility</p:attrName>
+                                        </p:attrNameLst>
+                                      </p:cBhvr>
+                                      <p:to>
+                                        <p:strVal val="visible"/>
+                                      </p:to>
+                                    </p:set>
+                                  </p:childTnLst>
+                                </p:cTn>
+                              </p:par>
+                            </p:childTnLst>
+                          </p:cTn>
+                        </p:par>
+                      </p:childTnLst>
+                    </p:cTn>
+                  </p:par>
+                </p:childTnLst>
+              </p:cTn>
+              <p:prevCondLst>
+                <p:cond evt="onPrev" delay="0">
+                  <p:tgtEl>
+                    <p:sldTgt/>
+                  </p:tgtEl>
+                </p:cond>
+              </p:prevCondLst>
+              <p:nextCondLst>
+                <p:cond evt="onNext" delay="0">
+                  <p:tgtEl>
+                    <p:sldTgt/>
+                  </p:tgtEl>
+                </p:cond>
+              </p:nextCondLst>
+            </p:seq>
+          </p:childTnLst>
+        </p:cTn>
+      </p:par>
+    </p:tnLst>
+    <p:bldLst>
+      <p:bldP spid="3" grpId="0" build="p"/>
+    </p:bldLst>
+  </p:timing>
 </p:sld>
 </file>
 
@@ -4037,8 +5238,8 @@
           <a:lstStyle/>
           <a:p>
             <a:r>
-              <a:rPr lang="de-DE" dirty="0" err="1" smtClean="0"/>
-              <a:t>Reliability</a:t>
+              <a:rPr lang="de-DE" dirty="0" smtClean="0"/>
+              <a:t>Solution</a:t>
             </a:r>
             <a:endParaRPr lang="de-DE" dirty="0"/>
           </a:p>
@@ -4062,70 +5263,37 @@
           <a:lstStyle/>
           <a:p>
             <a:r>
-              <a:rPr lang="de-DE" sz="3000" dirty="0" smtClean="0"/>
-              <a:t>TODO: </a:t>
-            </a:r>
-            <a:r>
-              <a:rPr lang="de-DE" sz="3000" dirty="0" err="1" smtClean="0"/>
-              <a:t>list</a:t>
-            </a:r>
-            <a:r>
-              <a:rPr lang="de-DE" sz="3000" dirty="0" smtClean="0"/>
-              <a:t> </a:t>
-            </a:r>
-            <a:r>
-              <a:rPr lang="de-DE" sz="3000" dirty="0" err="1" smtClean="0"/>
-              <a:t>up</a:t>
-            </a:r>
-            <a:r>
-              <a:rPr lang="de-DE" sz="3000" dirty="0" smtClean="0"/>
-              <a:t> </a:t>
-            </a:r>
-            <a:r>
-              <a:rPr lang="de-DE" sz="3000" dirty="0" err="1" smtClean="0"/>
-              <a:t>some</a:t>
-            </a:r>
-            <a:r>
-              <a:rPr lang="de-DE" sz="3000" dirty="0" smtClean="0"/>
-              <a:t> </a:t>
-            </a:r>
-            <a:r>
-              <a:rPr lang="de-DE" sz="3000" dirty="0" err="1" smtClean="0"/>
-              <a:t>subjects</a:t>
-            </a:r>
-            <a:r>
-              <a:rPr lang="de-DE" sz="3000" dirty="0" smtClean="0"/>
-              <a:t> </a:t>
-            </a:r>
-            <a:r>
-              <a:rPr lang="de-DE" sz="3000" dirty="0" err="1" smtClean="0"/>
-              <a:t>and</a:t>
-            </a:r>
-            <a:r>
-              <a:rPr lang="de-DE" sz="3000" dirty="0" smtClean="0"/>
-              <a:t> </a:t>
-            </a:r>
-            <a:r>
-              <a:rPr lang="de-DE" sz="3000" dirty="0" err="1" smtClean="0"/>
-              <a:t>probably</a:t>
-            </a:r>
-            <a:r>
-              <a:rPr lang="de-DE" sz="3000" dirty="0" smtClean="0"/>
-              <a:t> </a:t>
-            </a:r>
-            <a:r>
-              <a:rPr lang="de-DE" sz="3000" dirty="0" err="1" smtClean="0"/>
-              <a:t>show</a:t>
-            </a:r>
-            <a:r>
-              <a:rPr lang="de-DE" sz="3000" dirty="0" smtClean="0"/>
-              <a:t> a </a:t>
-            </a:r>
-            <a:r>
-              <a:rPr lang="de-DE" sz="3000" dirty="0" err="1" smtClean="0"/>
-              <a:t>graph</a:t>
-            </a:r>
-            <a:endParaRPr lang="de-DE" sz="3000" dirty="0"/>
+              <a:rPr lang="en-GB" sz="3000" dirty="0" smtClean="0"/>
+              <a:t>Monitoring</a:t>
+            </a:r>
+            <a:endParaRPr lang="en-GB" sz="3000" dirty="0" smtClean="0"/>
+          </a:p>
+          <a:p>
+            <a:r>
+              <a:rPr lang="en-GB" sz="3000" dirty="0" smtClean="0"/>
+              <a:t>Reporting anomalies</a:t>
+            </a:r>
+          </a:p>
+          <a:p>
+            <a:r>
+              <a:rPr lang="en-GB" sz="3000" dirty="0" smtClean="0"/>
+              <a:t>Coordination</a:t>
+            </a:r>
+          </a:p>
+          <a:p>
+            <a:r>
+              <a:rPr lang="en-GB" sz="3000" dirty="0" smtClean="0"/>
+              <a:t>Communication protocol</a:t>
+            </a:r>
+          </a:p>
+          <a:p>
+            <a:r>
+              <a:rPr lang="en-GB" sz="3000" dirty="0" smtClean="0"/>
+              <a:t>Architecture representation and crash testing</a:t>
+            </a:r>
+          </a:p>
+          <a:p>
+            <a:endParaRPr lang="en-GB" sz="3000" dirty="0" smtClean="0"/>
           </a:p>
         </p:txBody>
       </p:sp>
@@ -4139,6 +5307,284 @@
   <p:clrMapOvr>
     <a:masterClrMapping/>
   </p:clrMapOvr>
+  <p:timing>
+    <p:tnLst>
+      <p:par>
+        <p:cTn id="1" dur="indefinite" restart="never" nodeType="tmRoot">
+          <p:childTnLst>
+            <p:seq concurrent="1" nextAc="seek">
+              <p:cTn id="2" dur="indefinite" nodeType="mainSeq">
+                <p:childTnLst>
+                  <p:par>
+                    <p:cTn id="3" fill="hold">
+                      <p:stCondLst>
+                        <p:cond delay="indefinite"/>
+                      </p:stCondLst>
+                      <p:childTnLst>
+                        <p:par>
+                          <p:cTn id="4" fill="hold">
+                            <p:stCondLst>
+                              <p:cond delay="0"/>
+                            </p:stCondLst>
+                            <p:childTnLst>
+                              <p:par>
+                                <p:cTn id="5" presetID="1" presetClass="entr" presetSubtype="0" fill="hold" grpId="0" nodeType="clickEffect">
+                                  <p:stCondLst>
+                                    <p:cond delay="0"/>
+                                  </p:stCondLst>
+                                  <p:childTnLst>
+                                    <p:set>
+                                      <p:cBhvr>
+                                        <p:cTn id="6" dur="1" fill="hold">
+                                          <p:stCondLst>
+                                            <p:cond delay="0"/>
+                                          </p:stCondLst>
+                                        </p:cTn>
+                                        <p:tgtEl>
+                                          <p:spTgt spid="3">
+                                            <p:txEl>
+                                              <p:pRg st="0" end="0"/>
+                                            </p:txEl>
+                                          </p:spTgt>
+                                        </p:tgtEl>
+                                        <p:attrNameLst>
+                                          <p:attrName>style.visibility</p:attrName>
+                                        </p:attrNameLst>
+                                      </p:cBhvr>
+                                      <p:to>
+                                        <p:strVal val="visible"/>
+                                      </p:to>
+                                    </p:set>
+                                  </p:childTnLst>
+                                </p:cTn>
+                              </p:par>
+                            </p:childTnLst>
+                          </p:cTn>
+                        </p:par>
+                      </p:childTnLst>
+                    </p:cTn>
+                  </p:par>
+                  <p:par>
+                    <p:cTn id="7" fill="hold">
+                      <p:stCondLst>
+                        <p:cond delay="indefinite"/>
+                      </p:stCondLst>
+                      <p:childTnLst>
+                        <p:par>
+                          <p:cTn id="8" fill="hold">
+                            <p:stCondLst>
+                              <p:cond delay="0"/>
+                            </p:stCondLst>
+                            <p:childTnLst>
+                              <p:par>
+                                <p:cTn id="9" presetID="1" presetClass="entr" presetSubtype="0" fill="hold" grpId="0" nodeType="clickEffect">
+                                  <p:stCondLst>
+                                    <p:cond delay="0"/>
+                                  </p:stCondLst>
+                                  <p:childTnLst>
+                                    <p:set>
+                                      <p:cBhvr>
+                                        <p:cTn id="10" dur="1" fill="hold">
+                                          <p:stCondLst>
+                                            <p:cond delay="0"/>
+                                          </p:stCondLst>
+                                        </p:cTn>
+                                        <p:tgtEl>
+                                          <p:spTgt spid="3">
+                                            <p:txEl>
+                                              <p:pRg st="1" end="1"/>
+                                            </p:txEl>
+                                          </p:spTgt>
+                                        </p:tgtEl>
+                                        <p:attrNameLst>
+                                          <p:attrName>style.visibility</p:attrName>
+                                        </p:attrNameLst>
+                                      </p:cBhvr>
+                                      <p:to>
+                                        <p:strVal val="visible"/>
+                                      </p:to>
+                                    </p:set>
+                                  </p:childTnLst>
+                                </p:cTn>
+                              </p:par>
+                            </p:childTnLst>
+                          </p:cTn>
+                        </p:par>
+                      </p:childTnLst>
+                    </p:cTn>
+                  </p:par>
+                  <p:par>
+                    <p:cTn id="11" fill="hold">
+                      <p:stCondLst>
+                        <p:cond delay="indefinite"/>
+                      </p:stCondLst>
+                      <p:childTnLst>
+                        <p:par>
+                          <p:cTn id="12" fill="hold">
+                            <p:stCondLst>
+                              <p:cond delay="0"/>
+                            </p:stCondLst>
+                            <p:childTnLst>
+                              <p:par>
+                                <p:cTn id="13" presetID="1" presetClass="entr" presetSubtype="0" fill="hold" grpId="0" nodeType="clickEffect">
+                                  <p:stCondLst>
+                                    <p:cond delay="0"/>
+                                  </p:stCondLst>
+                                  <p:childTnLst>
+                                    <p:set>
+                                      <p:cBhvr>
+                                        <p:cTn id="14" dur="1" fill="hold">
+                                          <p:stCondLst>
+                                            <p:cond delay="0"/>
+                                          </p:stCondLst>
+                                        </p:cTn>
+                                        <p:tgtEl>
+                                          <p:spTgt spid="3">
+                                            <p:txEl>
+                                              <p:pRg st="2" end="2"/>
+                                            </p:txEl>
+                                          </p:spTgt>
+                                        </p:tgtEl>
+                                        <p:attrNameLst>
+                                          <p:attrName>style.visibility</p:attrName>
+                                        </p:attrNameLst>
+                                      </p:cBhvr>
+                                      <p:to>
+                                        <p:strVal val="visible"/>
+                                      </p:to>
+                                    </p:set>
+                                  </p:childTnLst>
+                                </p:cTn>
+                              </p:par>
+                            </p:childTnLst>
+                          </p:cTn>
+                        </p:par>
+                      </p:childTnLst>
+                    </p:cTn>
+                  </p:par>
+                  <p:par>
+                    <p:cTn id="15" fill="hold">
+                      <p:stCondLst>
+                        <p:cond delay="indefinite"/>
+                      </p:stCondLst>
+                      <p:childTnLst>
+                        <p:par>
+                          <p:cTn id="16" fill="hold">
+                            <p:stCondLst>
+                              <p:cond delay="0"/>
+                            </p:stCondLst>
+                            <p:childTnLst>
+                              <p:par>
+                                <p:cTn id="17" presetID="1" presetClass="entr" presetSubtype="0" fill="hold" grpId="0" nodeType="clickEffect">
+                                  <p:stCondLst>
+                                    <p:cond delay="0"/>
+                                  </p:stCondLst>
+                                  <p:childTnLst>
+                                    <p:set>
+                                      <p:cBhvr>
+                                        <p:cTn id="18" dur="1" fill="hold">
+                                          <p:stCondLst>
+                                            <p:cond delay="0"/>
+                                          </p:stCondLst>
+                                        </p:cTn>
+                                        <p:tgtEl>
+                                          <p:spTgt spid="3">
+                                            <p:txEl>
+                                              <p:pRg st="3" end="3"/>
+                                            </p:txEl>
+                                          </p:spTgt>
+                                        </p:tgtEl>
+                                        <p:attrNameLst>
+                                          <p:attrName>style.visibility</p:attrName>
+                                        </p:attrNameLst>
+                                      </p:cBhvr>
+                                      <p:to>
+                                        <p:strVal val="visible"/>
+                                      </p:to>
+                                    </p:set>
+                                  </p:childTnLst>
+                                </p:cTn>
+                              </p:par>
+                            </p:childTnLst>
+                          </p:cTn>
+                        </p:par>
+                      </p:childTnLst>
+                    </p:cTn>
+                  </p:par>
+                  <p:par>
+                    <p:cTn id="19" fill="hold">
+                      <p:stCondLst>
+                        <p:cond delay="indefinite"/>
+                      </p:stCondLst>
+                      <p:childTnLst>
+                        <p:par>
+                          <p:cTn id="20" fill="hold">
+                            <p:stCondLst>
+                              <p:cond delay="0"/>
+                            </p:stCondLst>
+                            <p:childTnLst>
+                              <p:par>
+                                <p:cTn id="21" presetID="1" presetClass="entr" presetSubtype="0" fill="hold" grpId="0" nodeType="clickEffect">
+                                  <p:stCondLst>
+                                    <p:cond delay="0"/>
+                                  </p:stCondLst>
+                                  <p:childTnLst>
+                                    <p:set>
+                                      <p:cBhvr>
+                                        <p:cTn id="22" dur="1" fill="hold">
+                                          <p:stCondLst>
+                                            <p:cond delay="0"/>
+                                          </p:stCondLst>
+                                        </p:cTn>
+                                        <p:tgtEl>
+                                          <p:spTgt spid="3">
+                                            <p:txEl>
+                                              <p:pRg st="4" end="4"/>
+                                            </p:txEl>
+                                          </p:spTgt>
+                                        </p:tgtEl>
+                                        <p:attrNameLst>
+                                          <p:attrName>style.visibility</p:attrName>
+                                        </p:attrNameLst>
+                                      </p:cBhvr>
+                                      <p:to>
+                                        <p:strVal val="visible"/>
+                                      </p:to>
+                                    </p:set>
+                                  </p:childTnLst>
+                                </p:cTn>
+                              </p:par>
+                            </p:childTnLst>
+                          </p:cTn>
+                        </p:par>
+                      </p:childTnLst>
+                    </p:cTn>
+                  </p:par>
+                </p:childTnLst>
+              </p:cTn>
+              <p:prevCondLst>
+                <p:cond evt="onPrev" delay="0">
+                  <p:tgtEl>
+                    <p:sldTgt/>
+                  </p:tgtEl>
+                </p:cond>
+              </p:prevCondLst>
+              <p:nextCondLst>
+                <p:cond evt="onNext" delay="0">
+                  <p:tgtEl>
+                    <p:sldTgt/>
+                  </p:tgtEl>
+                </p:cond>
+              </p:nextCondLst>
+            </p:seq>
+          </p:childTnLst>
+        </p:cTn>
+      </p:par>
+    </p:tnLst>
+    <p:bldLst>
+      <p:bldP spid="3" grpId="0" build="p"/>
+    </p:bldLst>
+  </p:timing>
 </p:sld>
 </file>
 
@@ -4175,8 +5621,8 @@
           <a:lstStyle/>
           <a:p>
             <a:r>
-              <a:rPr lang="de-DE" dirty="0" smtClean="0"/>
-              <a:t>Implementation</a:t>
+              <a:rPr lang="de-DE" dirty="0" err="1" smtClean="0"/>
+              <a:t>PrototypE</a:t>
             </a:r>
             <a:endParaRPr lang="de-DE" dirty="0"/>
           </a:p>
@@ -4204,16 +5650,8 @@
               <a:buChar char="•"/>
             </a:pPr>
             <a:r>
-              <a:rPr lang="de-DE" sz="3000" dirty="0" smtClean="0"/>
-              <a:t>Notebook </a:t>
-            </a:r>
-            <a:r>
-              <a:rPr lang="de-DE" sz="3000" dirty="0" err="1" smtClean="0"/>
-              <a:t>as</a:t>
-            </a:r>
-            <a:r>
-              <a:rPr lang="de-DE" sz="3000" dirty="0" smtClean="0"/>
-              <a:t> Hotspot</a:t>
+              <a:rPr lang="en-GB" sz="2800" dirty="0" smtClean="0"/>
+              <a:t>Local network</a:t>
             </a:r>
           </a:p>
           <a:p>
@@ -4222,8 +5660,18 @@
               <a:buChar char="•"/>
             </a:pPr>
             <a:r>
-              <a:rPr lang="de-DE" sz="3000" dirty="0" smtClean="0"/>
-              <a:t>Sensors</a:t>
+              <a:rPr lang="en-GB" sz="2800" dirty="0" smtClean="0"/>
+              <a:t>HTTP Server</a:t>
+            </a:r>
+          </a:p>
+          <a:p>
+            <a:pPr>
+              <a:buFont typeface="Arial" charset="0"/>
+              <a:buChar char="•"/>
+            </a:pPr>
+            <a:r>
+              <a:rPr lang="en-GB" sz="2800" dirty="0" smtClean="0"/>
+              <a:t>Network nodes: Delta Kit, Smartphones &amp; Laptops</a:t>
             </a:r>
           </a:p>
           <a:p>
@@ -4232,18 +5680,18 @@
               <a:buChar char="•"/>
             </a:pPr>
             <a:r>
-              <a:rPr lang="de-DE" sz="2800" dirty="0" smtClean="0"/>
-              <a:t>Smartphones</a:t>
-            </a:r>
-          </a:p>
-          <a:p>
-            <a:pPr lvl="1">
+              <a:rPr lang="en-GB" sz="2600" dirty="0" smtClean="0"/>
+              <a:t>Air pressure, gyroscope,  temperature, humidity &amp; GPS</a:t>
+            </a:r>
+          </a:p>
+          <a:p>
+            <a:pPr>
               <a:buFont typeface="Arial" charset="0"/>
               <a:buChar char="•"/>
             </a:pPr>
             <a:r>
-              <a:rPr lang="de-DE" sz="2800" dirty="0" smtClean="0"/>
-              <a:t>Delta Kit</a:t>
+              <a:rPr lang="en-GB" sz="2800" dirty="0" smtClean="0"/>
+              <a:t>A lot of future work</a:t>
             </a:r>
           </a:p>
         </p:txBody>
@@ -4258,6 +5706,284 @@
   <p:clrMapOvr>
     <a:masterClrMapping/>
   </p:clrMapOvr>
+  <p:timing>
+    <p:tnLst>
+      <p:par>
+        <p:cTn id="1" dur="indefinite" restart="never" nodeType="tmRoot">
+          <p:childTnLst>
+            <p:seq concurrent="1" nextAc="seek">
+              <p:cTn id="2" dur="indefinite" nodeType="mainSeq">
+                <p:childTnLst>
+                  <p:par>
+                    <p:cTn id="3" fill="hold">
+                      <p:stCondLst>
+                        <p:cond delay="indefinite"/>
+                      </p:stCondLst>
+                      <p:childTnLst>
+                        <p:par>
+                          <p:cTn id="4" fill="hold">
+                            <p:stCondLst>
+                              <p:cond delay="0"/>
+                            </p:stCondLst>
+                            <p:childTnLst>
+                              <p:par>
+                                <p:cTn id="5" presetID="1" presetClass="entr" presetSubtype="0" fill="hold" grpId="0" nodeType="clickEffect">
+                                  <p:stCondLst>
+                                    <p:cond delay="0"/>
+                                  </p:stCondLst>
+                                  <p:childTnLst>
+                                    <p:set>
+                                      <p:cBhvr>
+                                        <p:cTn id="6" dur="1" fill="hold">
+                                          <p:stCondLst>
+                                            <p:cond delay="0"/>
+                                          </p:stCondLst>
+                                        </p:cTn>
+                                        <p:tgtEl>
+                                          <p:spTgt spid="3">
+                                            <p:txEl>
+                                              <p:pRg st="0" end="0"/>
+                                            </p:txEl>
+                                          </p:spTgt>
+                                        </p:tgtEl>
+                                        <p:attrNameLst>
+                                          <p:attrName>style.visibility</p:attrName>
+                                        </p:attrNameLst>
+                                      </p:cBhvr>
+                                      <p:to>
+                                        <p:strVal val="visible"/>
+                                      </p:to>
+                                    </p:set>
+                                  </p:childTnLst>
+                                </p:cTn>
+                              </p:par>
+                            </p:childTnLst>
+                          </p:cTn>
+                        </p:par>
+                      </p:childTnLst>
+                    </p:cTn>
+                  </p:par>
+                  <p:par>
+                    <p:cTn id="7" fill="hold">
+                      <p:stCondLst>
+                        <p:cond delay="indefinite"/>
+                      </p:stCondLst>
+                      <p:childTnLst>
+                        <p:par>
+                          <p:cTn id="8" fill="hold">
+                            <p:stCondLst>
+                              <p:cond delay="0"/>
+                            </p:stCondLst>
+                            <p:childTnLst>
+                              <p:par>
+                                <p:cTn id="9" presetID="1" presetClass="entr" presetSubtype="0" fill="hold" grpId="0" nodeType="clickEffect">
+                                  <p:stCondLst>
+                                    <p:cond delay="0"/>
+                                  </p:stCondLst>
+                                  <p:childTnLst>
+                                    <p:set>
+                                      <p:cBhvr>
+                                        <p:cTn id="10" dur="1" fill="hold">
+                                          <p:stCondLst>
+                                            <p:cond delay="0"/>
+                                          </p:stCondLst>
+                                        </p:cTn>
+                                        <p:tgtEl>
+                                          <p:spTgt spid="3">
+                                            <p:txEl>
+                                              <p:pRg st="1" end="1"/>
+                                            </p:txEl>
+                                          </p:spTgt>
+                                        </p:tgtEl>
+                                        <p:attrNameLst>
+                                          <p:attrName>style.visibility</p:attrName>
+                                        </p:attrNameLst>
+                                      </p:cBhvr>
+                                      <p:to>
+                                        <p:strVal val="visible"/>
+                                      </p:to>
+                                    </p:set>
+                                  </p:childTnLst>
+                                </p:cTn>
+                              </p:par>
+                            </p:childTnLst>
+                          </p:cTn>
+                        </p:par>
+                      </p:childTnLst>
+                    </p:cTn>
+                  </p:par>
+                  <p:par>
+                    <p:cTn id="11" fill="hold">
+                      <p:stCondLst>
+                        <p:cond delay="indefinite"/>
+                      </p:stCondLst>
+                      <p:childTnLst>
+                        <p:par>
+                          <p:cTn id="12" fill="hold">
+                            <p:stCondLst>
+                              <p:cond delay="0"/>
+                            </p:stCondLst>
+                            <p:childTnLst>
+                              <p:par>
+                                <p:cTn id="13" presetID="1" presetClass="entr" presetSubtype="0" fill="hold" grpId="0" nodeType="clickEffect">
+                                  <p:stCondLst>
+                                    <p:cond delay="0"/>
+                                  </p:stCondLst>
+                                  <p:childTnLst>
+                                    <p:set>
+                                      <p:cBhvr>
+                                        <p:cTn id="14" dur="1" fill="hold">
+                                          <p:stCondLst>
+                                            <p:cond delay="0"/>
+                                          </p:stCondLst>
+                                        </p:cTn>
+                                        <p:tgtEl>
+                                          <p:spTgt spid="3">
+                                            <p:txEl>
+                                              <p:pRg st="2" end="2"/>
+                                            </p:txEl>
+                                          </p:spTgt>
+                                        </p:tgtEl>
+                                        <p:attrNameLst>
+                                          <p:attrName>style.visibility</p:attrName>
+                                        </p:attrNameLst>
+                                      </p:cBhvr>
+                                      <p:to>
+                                        <p:strVal val="visible"/>
+                                      </p:to>
+                                    </p:set>
+                                  </p:childTnLst>
+                                </p:cTn>
+                              </p:par>
+                            </p:childTnLst>
+                          </p:cTn>
+                        </p:par>
+                      </p:childTnLst>
+                    </p:cTn>
+                  </p:par>
+                  <p:par>
+                    <p:cTn id="15" fill="hold">
+                      <p:stCondLst>
+                        <p:cond delay="indefinite"/>
+                      </p:stCondLst>
+                      <p:childTnLst>
+                        <p:par>
+                          <p:cTn id="16" fill="hold">
+                            <p:stCondLst>
+                              <p:cond delay="0"/>
+                            </p:stCondLst>
+                            <p:childTnLst>
+                              <p:par>
+                                <p:cTn id="17" presetID="1" presetClass="entr" presetSubtype="0" fill="hold" grpId="0" nodeType="clickEffect">
+                                  <p:stCondLst>
+                                    <p:cond delay="0"/>
+                                  </p:stCondLst>
+                                  <p:childTnLst>
+                                    <p:set>
+                                      <p:cBhvr>
+                                        <p:cTn id="18" dur="1" fill="hold">
+                                          <p:stCondLst>
+                                            <p:cond delay="0"/>
+                                          </p:stCondLst>
+                                        </p:cTn>
+                                        <p:tgtEl>
+                                          <p:spTgt spid="3">
+                                            <p:txEl>
+                                              <p:pRg st="3" end="3"/>
+                                            </p:txEl>
+                                          </p:spTgt>
+                                        </p:tgtEl>
+                                        <p:attrNameLst>
+                                          <p:attrName>style.visibility</p:attrName>
+                                        </p:attrNameLst>
+                                      </p:cBhvr>
+                                      <p:to>
+                                        <p:strVal val="visible"/>
+                                      </p:to>
+                                    </p:set>
+                                  </p:childTnLst>
+                                </p:cTn>
+                              </p:par>
+                            </p:childTnLst>
+                          </p:cTn>
+                        </p:par>
+                      </p:childTnLst>
+                    </p:cTn>
+                  </p:par>
+                  <p:par>
+                    <p:cTn id="19" fill="hold">
+                      <p:stCondLst>
+                        <p:cond delay="indefinite"/>
+                      </p:stCondLst>
+                      <p:childTnLst>
+                        <p:par>
+                          <p:cTn id="20" fill="hold">
+                            <p:stCondLst>
+                              <p:cond delay="0"/>
+                            </p:stCondLst>
+                            <p:childTnLst>
+                              <p:par>
+                                <p:cTn id="21" presetID="1" presetClass="entr" presetSubtype="0" fill="hold" grpId="0" nodeType="clickEffect">
+                                  <p:stCondLst>
+                                    <p:cond delay="0"/>
+                                  </p:stCondLst>
+                                  <p:childTnLst>
+                                    <p:set>
+                                      <p:cBhvr>
+                                        <p:cTn id="22" dur="1" fill="hold">
+                                          <p:stCondLst>
+                                            <p:cond delay="0"/>
+                                          </p:stCondLst>
+                                        </p:cTn>
+                                        <p:tgtEl>
+                                          <p:spTgt spid="3">
+                                            <p:txEl>
+                                              <p:pRg st="4" end="4"/>
+                                            </p:txEl>
+                                          </p:spTgt>
+                                        </p:tgtEl>
+                                        <p:attrNameLst>
+                                          <p:attrName>style.visibility</p:attrName>
+                                        </p:attrNameLst>
+                                      </p:cBhvr>
+                                      <p:to>
+                                        <p:strVal val="visible"/>
+                                      </p:to>
+                                    </p:set>
+                                  </p:childTnLst>
+                                </p:cTn>
+                              </p:par>
+                            </p:childTnLst>
+                          </p:cTn>
+                        </p:par>
+                      </p:childTnLst>
+                    </p:cTn>
+                  </p:par>
+                </p:childTnLst>
+              </p:cTn>
+              <p:prevCondLst>
+                <p:cond evt="onPrev" delay="0">
+                  <p:tgtEl>
+                    <p:sldTgt/>
+                  </p:tgtEl>
+                </p:cond>
+              </p:prevCondLst>
+              <p:nextCondLst>
+                <p:cond evt="onNext" delay="0">
+                  <p:tgtEl>
+                    <p:sldTgt/>
+                  </p:tgtEl>
+                </p:cond>
+              </p:nextCondLst>
+            </p:seq>
+          </p:childTnLst>
+        </p:cTn>
+      </p:par>
+    </p:tnLst>
+    <p:bldLst>
+      <p:bldP spid="3" grpId="0" uiExpand="1" build="p" bldLvl="2"/>
+    </p:bldLst>
+  </p:timing>
 </p:sld>
 </file>
 
@@ -4278,71 +6004,70 @@
           <a:chExt cx="0" cy="0"/>
         </a:xfrm>
       </p:grpSpPr>
-      <p:sp>
-        <p:nvSpPr>
-          <p:cNvPr id="2" name="Titel 1"/>
-          <p:cNvSpPr>
-            <a:spLocks noGrp="1"/>
-          </p:cNvSpPr>
-          <p:nvPr>
-            <p:ph type="title"/>
-          </p:nvPr>
-        </p:nvSpPr>
-        <p:spPr/>
-        <p:txBody>
-          <a:bodyPr/>
-          <a:lstStyle/>
-          <a:p>
-            <a:r>
-              <a:rPr lang="de-DE" dirty="0" smtClean="0"/>
-              <a:t>Demo</a:t>
-            </a:r>
-            <a:endParaRPr lang="de-DE" dirty="0"/>
-          </a:p>
-        </p:txBody>
-      </p:sp>
-      <p:sp>
-        <p:nvSpPr>
-          <p:cNvPr id="3" name="Inhaltsplatzhalter 2"/>
-          <p:cNvSpPr>
-            <a:spLocks noGrp="1"/>
-          </p:cNvSpPr>
-          <p:nvPr>
-            <p:ph idx="1"/>
-          </p:nvPr>
-        </p:nvSpPr>
+      <p:pic>
+        <p:nvPicPr>
+          <p:cNvPr id="5" name="Bild 4"/>
+          <p:cNvPicPr>
+            <a:picLocks noChangeAspect="1"/>
+          </p:cNvPicPr>
+          <p:nvPr/>
+        </p:nvPicPr>
+        <p:blipFill rotWithShape="1">
+          <a:blip r:embed="rId2">
+            <a:extLst>
+              <a:ext uri="{28A0092B-C50C-407E-A947-70E740481C1C}">
+                <a14:useLocalDpi xmlns:a14="http://schemas.microsoft.com/office/drawing/2010/main" val="0"/>
+              </a:ext>
+            </a:extLst>
+          </a:blip>
+          <a:srcRect t="25945" b="5273"/>
+          <a:stretch/>
+        </p:blipFill>
         <p:spPr>
           <a:xfrm>
-            <a:off x="1097280" y="3357564"/>
-            <a:ext cx="10058400" cy="400050"/>
+            <a:off x="0" y="0"/>
+            <a:ext cx="12226475" cy="6141307"/>
           </a:xfrm>
+          <a:prstGeom prst="rect">
+            <a:avLst/>
+          </a:prstGeom>
         </p:spPr>
-        <p:txBody>
-          <a:bodyPr/>
+      </p:pic>
+      <p:sp>
+        <p:nvSpPr>
+          <p:cNvPr id="8" name="Textfeld 7"/>
+          <p:cNvSpPr txBox="1"/>
+          <p:nvPr/>
+        </p:nvSpPr>
+        <p:spPr>
+          <a:xfrm>
+            <a:off x="667265" y="358346"/>
+            <a:ext cx="2397211" cy="646331"/>
+          </a:xfrm>
+          <a:prstGeom prst="rect">
+            <a:avLst/>
+          </a:prstGeom>
+          <a:noFill/>
+        </p:spPr>
+        <p:txBody>
+          <a:bodyPr wrap="square" rtlCol="0">
+            <a:spAutoFit/>
+          </a:bodyPr>
           <a:lstStyle/>
           <a:p>
-            <a:pPr marL="0" marR="0" lvl="1" indent="0" algn="ctr" defTabSz="914400" eaLnBrk="1" fontAlgn="auto" latinLnBrk="0" hangingPunct="1">
-              <a:lnSpc>
-                <a:spcPct val="100000"/>
-              </a:lnSpc>
-              <a:spcBef>
-                <a:spcPts val="0"/>
-              </a:spcBef>
-              <a:spcAft>
-                <a:spcPts val="0"/>
-              </a:spcAft>
-              <a:buClrTx/>
-              <a:buSzTx/>
-              <a:buFontTx/>
-              <a:buNone/>
-              <a:tabLst/>
-              <a:defRPr/>
-            </a:pPr>
-            <a:r>
-              <a:rPr lang="de-DE" dirty="0" smtClean="0"/>
-              <a:t>TODO: LINK</a:t>
-            </a:r>
-            <a:endParaRPr lang="de-DE" dirty="0"/>
+            <a:r>
+              <a:rPr lang="de-DE" sz="3600" dirty="0" smtClean="0">
+                <a:solidFill>
+                  <a:schemeClr val="bg1"/>
+                </a:solidFill>
+              </a:rPr>
+              <a:t>DEMO</a:t>
+            </a:r>
+            <a:endParaRPr lang="de-DE" sz="3600" dirty="0">
+              <a:solidFill>
+                <a:schemeClr val="bg1"/>
+              </a:solidFill>
+            </a:endParaRPr>
           </a:p>
         </p:txBody>
       </p:sp>
@@ -4356,6 +6081,13 @@
   <p:clrMapOvr>
     <a:masterClrMapping/>
   </p:clrMapOvr>
+  <p:timing>
+    <p:tnLst>
+      <p:par>
+        <p:cTn id="1" dur="indefinite" restart="never" nodeType="tmRoot"/>
+      </p:par>
+    </p:tnLst>
+  </p:timing>
 </p:sld>
 </file>
 
@@ -4610,4 +6342,265 @@
     </a:ext>
   </a:extLst>
 </a:theme>
+</file>
+
+<file path=ppt/theme/theme2.xml><?xml version="1.0" encoding="utf-8"?>
+<a:theme xmlns:a="http://schemas.openxmlformats.org/drawingml/2006/main" name="Office-Design">
+  <a:themeElements>
+    <a:clrScheme name="Office">
+      <a:dk1>
+        <a:sysClr val="windowText" lastClr="000000"/>
+      </a:dk1>
+      <a:lt1>
+        <a:sysClr val="window" lastClr="FFFFFF"/>
+      </a:lt1>
+      <a:dk2>
+        <a:srgbClr val="44546A"/>
+      </a:dk2>
+      <a:lt2>
+        <a:srgbClr val="E7E6E6"/>
+      </a:lt2>
+      <a:accent1>
+        <a:srgbClr val="5B9BD5"/>
+      </a:accent1>
+      <a:accent2>
+        <a:srgbClr val="ED7D31"/>
+      </a:accent2>
+      <a:accent3>
+        <a:srgbClr val="A5A5A5"/>
+      </a:accent3>
+      <a:accent4>
+        <a:srgbClr val="FFC000"/>
+      </a:accent4>
+      <a:accent5>
+        <a:srgbClr val="4472C4"/>
+      </a:accent5>
+      <a:accent6>
+        <a:srgbClr val="70AD47"/>
+      </a:accent6>
+      <a:hlink>
+        <a:srgbClr val="0563C1"/>
+      </a:hlink>
+      <a:folHlink>
+        <a:srgbClr val="954F72"/>
+      </a:folHlink>
+    </a:clrScheme>
+    <a:fontScheme name="Office">
+      <a:majorFont>
+        <a:latin typeface="Calibri Light" panose="020F0302020204030204"/>
+        <a:ea typeface=""/>
+        <a:cs typeface=""/>
+        <a:font script="Jpan" typeface="Yu Gothic Light"/>
+        <a:font script="Hang" typeface="맑은 고딕"/>
+        <a:font script="Hans" typeface="DengXian Light"/>
+        <a:font script="Hant" typeface="新細明體"/>
+        <a:font script="Arab" typeface="Times New Roman"/>
+        <a:font script="Hebr" typeface="Times New Roman"/>
+        <a:font script="Thai" typeface="Angsana New"/>
+        <a:font script="Ethi" typeface="Nyala"/>
+        <a:font script="Beng" typeface="Vrinda"/>
+        <a:font script="Gujr" typeface="Shruti"/>
+        <a:font script="Khmr" typeface="MoolBoran"/>
+        <a:font script="Knda" typeface="Tunga"/>
+        <a:font script="Guru" typeface="Raavi"/>
+        <a:font script="Cans" typeface="Euphemia"/>
+        <a:font script="Cher" typeface="Plantagenet Cherokee"/>
+        <a:font script="Yiii" typeface="Microsoft Yi Baiti"/>
+        <a:font script="Tibt" typeface="Microsoft Himalaya"/>
+        <a:font script="Thaa" typeface="MV Boli"/>
+        <a:font script="Deva" typeface="Mangal"/>
+        <a:font script="Telu" typeface="Gautami"/>
+        <a:font script="Taml" typeface="Latha"/>
+        <a:font script="Syrc" typeface="Estrangelo Edessa"/>
+        <a:font script="Orya" typeface="Kalinga"/>
+        <a:font script="Mlym" typeface="Kartika"/>
+        <a:font script="Laoo" typeface="DokChampa"/>
+        <a:font script="Sinh" typeface="Iskoola Pota"/>
+        <a:font script="Mong" typeface="Mongolian Baiti"/>
+        <a:font script="Viet" typeface="Times New Roman"/>
+        <a:font script="Uigh" typeface="Microsoft Uighur"/>
+        <a:font script="Geor" typeface="Sylfaen"/>
+      </a:majorFont>
+      <a:minorFont>
+        <a:latin typeface="Calibri" panose="020F0502020204030204"/>
+        <a:ea typeface=""/>
+        <a:cs typeface=""/>
+        <a:font script="Jpan" typeface="Yu Gothic"/>
+        <a:font script="Hang" typeface="맑은 고딕"/>
+        <a:font script="Hans" typeface="DengXian"/>
+        <a:font script="Hant" typeface="新細明體"/>
+        <a:font script="Arab" typeface="Arial"/>
+        <a:font script="Hebr" typeface="Arial"/>
+        <a:font script="Thai" typeface="Cordia New"/>
+        <a:font script="Ethi" typeface="Nyala"/>
+        <a:font script="Beng" typeface="Vrinda"/>
+        <a:font script="Gujr" typeface="Shruti"/>
+        <a:font script="Khmr" typeface="DaunPenh"/>
+        <a:font script="Knda" typeface="Tunga"/>
+        <a:font script="Guru" typeface="Raavi"/>
+        <a:font script="Cans" typeface="Euphemia"/>
+        <a:font script="Cher" typeface="Plantagenet Cherokee"/>
+        <a:font script="Yiii" typeface="Microsoft Yi Baiti"/>
+        <a:font script="Tibt" typeface="Microsoft Himalaya"/>
+        <a:font script="Thaa" typeface="MV Boli"/>
+        <a:font script="Deva" typeface="Mangal"/>
+        <a:font script="Telu" typeface="Gautami"/>
+        <a:font script="Taml" typeface="Latha"/>
+        <a:font script="Syrc" typeface="Estrangelo Edessa"/>
+        <a:font script="Orya" typeface="Kalinga"/>
+        <a:font script="Mlym" typeface="Kartika"/>
+        <a:font script="Laoo" typeface="DokChampa"/>
+        <a:font script="Sinh" typeface="Iskoola Pota"/>
+        <a:font script="Mong" typeface="Mongolian Baiti"/>
+        <a:font script="Viet" typeface="Arial"/>
+        <a:font script="Uigh" typeface="Microsoft Uighur"/>
+        <a:font script="Geor" typeface="Sylfaen"/>
+      </a:minorFont>
+    </a:fontScheme>
+    <a:fmtScheme name="Office">
+      <a:fillStyleLst>
+        <a:solidFill>
+          <a:schemeClr val="phClr"/>
+        </a:solidFill>
+        <a:gradFill rotWithShape="1">
+          <a:gsLst>
+            <a:gs pos="0">
+              <a:schemeClr val="phClr">
+                <a:lumMod val="110000"/>
+                <a:satMod val="105000"/>
+                <a:tint val="67000"/>
+              </a:schemeClr>
+            </a:gs>
+            <a:gs pos="50000">
+              <a:schemeClr val="phClr">
+                <a:lumMod val="105000"/>
+                <a:satMod val="103000"/>
+                <a:tint val="73000"/>
+              </a:schemeClr>
+            </a:gs>
+            <a:gs pos="100000">
+              <a:schemeClr val="phClr">
+                <a:lumMod val="105000"/>
+                <a:satMod val="109000"/>
+                <a:tint val="81000"/>
+              </a:schemeClr>
+            </a:gs>
+          </a:gsLst>
+          <a:lin ang="5400000" scaled="0"/>
+        </a:gradFill>
+        <a:gradFill rotWithShape="1">
+          <a:gsLst>
+            <a:gs pos="0">
+              <a:schemeClr val="phClr">
+                <a:satMod val="103000"/>
+                <a:lumMod val="102000"/>
+                <a:tint val="94000"/>
+              </a:schemeClr>
+            </a:gs>
+            <a:gs pos="50000">
+              <a:schemeClr val="phClr">
+                <a:satMod val="110000"/>
+                <a:lumMod val="100000"/>
+                <a:shade val="100000"/>
+              </a:schemeClr>
+            </a:gs>
+            <a:gs pos="100000">
+              <a:schemeClr val="phClr">
+                <a:lumMod val="99000"/>
+                <a:satMod val="120000"/>
+                <a:shade val="78000"/>
+              </a:schemeClr>
+            </a:gs>
+          </a:gsLst>
+          <a:lin ang="5400000" scaled="0"/>
+        </a:gradFill>
+      </a:fillStyleLst>
+      <a:lnStyleLst>
+        <a:ln w="6350" cap="flat" cmpd="sng" algn="ctr">
+          <a:solidFill>
+            <a:schemeClr val="phClr"/>
+          </a:solidFill>
+          <a:prstDash val="solid"/>
+          <a:miter lim="800000"/>
+        </a:ln>
+        <a:ln w="12700" cap="flat" cmpd="sng" algn="ctr">
+          <a:solidFill>
+            <a:schemeClr val="phClr"/>
+          </a:solidFill>
+          <a:prstDash val="solid"/>
+          <a:miter lim="800000"/>
+        </a:ln>
+        <a:ln w="19050" cap="flat" cmpd="sng" algn="ctr">
+          <a:solidFill>
+            <a:schemeClr val="phClr"/>
+          </a:solidFill>
+          <a:prstDash val="solid"/>
+          <a:miter lim="800000"/>
+        </a:ln>
+      </a:lnStyleLst>
+      <a:effectStyleLst>
+        <a:effectStyle>
+          <a:effectLst/>
+        </a:effectStyle>
+        <a:effectStyle>
+          <a:effectLst/>
+        </a:effectStyle>
+        <a:effectStyle>
+          <a:effectLst>
+            <a:outerShdw blurRad="57150" dist="19050" dir="5400000" algn="ctr" rotWithShape="0">
+              <a:srgbClr val="000000">
+                <a:alpha val="63000"/>
+              </a:srgbClr>
+            </a:outerShdw>
+          </a:effectLst>
+        </a:effectStyle>
+      </a:effectStyleLst>
+      <a:bgFillStyleLst>
+        <a:solidFill>
+          <a:schemeClr val="phClr"/>
+        </a:solidFill>
+        <a:solidFill>
+          <a:schemeClr val="phClr">
+            <a:tint val="95000"/>
+            <a:satMod val="170000"/>
+          </a:schemeClr>
+        </a:solidFill>
+        <a:gradFill rotWithShape="1">
+          <a:gsLst>
+            <a:gs pos="0">
+              <a:schemeClr val="phClr">
+                <a:tint val="93000"/>
+                <a:satMod val="150000"/>
+                <a:shade val="98000"/>
+                <a:lumMod val="102000"/>
+              </a:schemeClr>
+            </a:gs>
+            <a:gs pos="50000">
+              <a:schemeClr val="phClr">
+                <a:tint val="98000"/>
+                <a:satMod val="130000"/>
+                <a:shade val="90000"/>
+                <a:lumMod val="103000"/>
+              </a:schemeClr>
+            </a:gs>
+            <a:gs pos="100000">
+              <a:schemeClr val="phClr">
+                <a:shade val="63000"/>
+                <a:satMod val="120000"/>
+              </a:schemeClr>
+            </a:gs>
+          </a:gsLst>
+          <a:lin ang="5400000" scaled="0"/>
+        </a:gradFill>
+      </a:bgFillStyleLst>
+    </a:fmtScheme>
+  </a:themeElements>
+  <a:objectDefaults/>
+  <a:extraClrSchemeLst/>
+  <a:extLst>
+    <a:ext uri="{05A4C25C-085E-4340-85A3-A5531E510DB2}">
+      <thm15:themeFamily xmlns:thm15="http://schemas.microsoft.com/office/thememl/2012/main" name="Office Theme" id="{62F939B6-93AF-4DB8-9C6B-D6C7DFDC589F}" vid="{4A3C46E8-61CC-4603-A589-7422A47A8E4A}"/>
+    </a:ext>
+  </a:extLst>
+</a:theme>
 </file>
--- a/presentation.pptx
+++ b/presentation.pptx
@@ -5,7 +5,7 @@
     <p:sldMasterId id="2147483673" r:id="rId1"/>
   </p:sldMasterIdLst>
   <p:notesMasterIdLst>
-    <p:notesMasterId r:id="rId9"/>
+    <p:notesMasterId r:id="rId10"/>
   </p:notesMasterIdLst>
   <p:sldIdLst>
     <p:sldId id="256" r:id="rId2"/>
@@ -14,7 +14,8 @@
     <p:sldId id="259" r:id="rId5"/>
     <p:sldId id="260" r:id="rId6"/>
     <p:sldId id="258" r:id="rId7"/>
-    <p:sldId id="262" r:id="rId8"/>
+    <p:sldId id="263" r:id="rId8"/>
+    <p:sldId id="262" r:id="rId9"/>
   </p:sldIdLst>
   <p:sldSz cx="12192000" cy="6858000"/>
   <p:notesSz cx="6858000" cy="9144000"/>
@@ -4141,6 +4142,57 @@
           </a:p>
         </p:txBody>
       </p:sp>
+      <p:sp>
+        <p:nvSpPr>
+          <p:cNvPr id="5" name="Textfeld 4"/>
+          <p:cNvSpPr txBox="1"/>
+          <p:nvPr/>
+        </p:nvSpPr>
+        <p:spPr>
+          <a:xfrm>
+            <a:off x="2417779" y="5376037"/>
+            <a:ext cx="9627075" cy="646331"/>
+          </a:xfrm>
+          <a:prstGeom prst="rect">
+            <a:avLst/>
+          </a:prstGeom>
+          <a:noFill/>
+        </p:spPr>
+        <p:txBody>
+          <a:bodyPr wrap="square" rtlCol="0">
+            <a:spAutoFit/>
+          </a:bodyPr>
+          <a:lstStyle/>
+          <a:p>
+            <a:pPr algn="r"/>
+            <a:r>
+              <a:rPr lang="de-DE" dirty="0" smtClean="0"/>
+              <a:t>Julien Romero, Krysztof Lis, Andrey </a:t>
+            </a:r>
+            <a:r>
+              <a:rPr lang="de-DE" dirty="0" err="1" smtClean="0"/>
+              <a:t>Rusakov</a:t>
+            </a:r>
+            <a:r>
+              <a:rPr lang="de-DE" dirty="0" smtClean="0"/>
+              <a:t> &amp; Pascal </a:t>
+            </a:r>
+            <a:r>
+              <a:rPr lang="de-DE" dirty="0" err="1" smtClean="0"/>
+              <a:t>Jud</a:t>
+            </a:r>
+            <a:endParaRPr lang="de-DE" dirty="0" smtClean="0"/>
+          </a:p>
+          <a:p>
+            <a:pPr algn="r"/>
+            <a:r>
+              <a:rPr lang="de-DE" dirty="0" smtClean="0"/>
+              <a:t>San Francisco, 10th April 2016</a:t>
+            </a:r>
+            <a:endParaRPr lang="de-DE" dirty="0"/>
+          </a:p>
+        </p:txBody>
+      </p:sp>
     </p:spTree>
     <p:extLst>
       <p:ext uri="{BB962C8B-B14F-4D97-AF65-F5344CB8AC3E}">
@@ -4151,13 +4203,13 @@
   <p:clrMapOvr>
     <a:masterClrMapping/>
   </p:clrMapOvr>
-  <mc:AlternateContent xmlns:mc="http://schemas.openxmlformats.org/markup-compatibility/2006">
-    <mc:Choice xmlns:p159="http://schemas.microsoft.com/office/powerpoint/2015/09/main" Requires="p159">
+  <mc:AlternateContent xmlns:mc="http://schemas.openxmlformats.org/markup-compatibility/2006" xmlns:p159="http://schemas.microsoft.com/office/powerpoint/2015/09/main">
+    <mc:Choice Requires="p159">
       <p:transition xmlns:p14="http://schemas.microsoft.com/office/powerpoint/2010/main" spd="slow" p14:dur="2000">
         <p159:morph option="byObject"/>
       </p:transition>
     </mc:Choice>
-    <mc:Fallback>
+    <mc:Fallback xmlns="">
       <p:transition spd="slow">
         <p:fade/>
       </p:transition>
@@ -4238,7 +4290,6 @@
               <a:rPr lang="de-DE" sz="3000" dirty="0" smtClean="0"/>
               <a:t>Motivation</a:t>
             </a:r>
-            <a:endParaRPr lang="de-DE" sz="3000" dirty="0" smtClean="0"/>
           </a:p>
           <a:p>
             <a:pPr>
@@ -4249,7 +4300,6 @@
               <a:rPr lang="de-DE" sz="3000" dirty="0" smtClean="0"/>
               <a:t>Problems &amp; Solution</a:t>
             </a:r>
-            <a:endParaRPr lang="de-DE" sz="3000" dirty="0" smtClean="0"/>
           </a:p>
           <a:p>
             <a:pPr>
@@ -4629,13 +4679,13 @@
   <p:clrMapOvr>
     <a:masterClrMapping/>
   </p:clrMapOvr>
-  <mc:AlternateContent xmlns:mc="http://schemas.openxmlformats.org/markup-compatibility/2006">
-    <mc:Choice xmlns:p14="http://schemas.microsoft.com/office/powerpoint/2010/main" Requires="p14">
+  <mc:AlternateContent xmlns:mc="http://schemas.openxmlformats.org/markup-compatibility/2006" xmlns:p14="http://schemas.microsoft.com/office/powerpoint/2010/main">
+    <mc:Choice Requires="p14">
       <p:transition spd="med" p14:dur="700">
         <p:fade/>
       </p:transition>
     </mc:Choice>
-    <mc:Fallback>
+    <mc:Fallback xmlns="">
       <p:transition spd="med">
         <p:fade/>
       </p:transition>
@@ -4984,7 +5034,6 @@
               <a:rPr lang="en-GB" sz="3000" dirty="0" smtClean="0"/>
               <a:t>Awareness of sensors‘ status any time</a:t>
             </a:r>
-            <a:endParaRPr lang="en-GB" sz="3000" dirty="0" smtClean="0"/>
           </a:p>
           <a:p>
             <a:r>
@@ -5266,7 +5315,6 @@
               <a:rPr lang="en-GB" sz="3000" dirty="0" smtClean="0"/>
               <a:t>Monitoring</a:t>
             </a:r>
-            <a:endParaRPr lang="en-GB" sz="3000" dirty="0" smtClean="0"/>
           </a:p>
           <a:p>
             <a:r>
@@ -5988,6 +6036,2010 @@
 </file>
 
 <file path=ppt/slides/slide7.xml><?xml version="1.0" encoding="utf-8"?>
+<p:sld xmlns:a="http://schemas.openxmlformats.org/drawingml/2006/main" xmlns:r="http://schemas.openxmlformats.org/officeDocument/2006/relationships" xmlns:p="http://schemas.openxmlformats.org/presentationml/2006/main">
+  <p:cSld>
+    <p:spTree>
+      <p:nvGrpSpPr>
+        <p:cNvPr id="1" name=""/>
+        <p:cNvGrpSpPr/>
+        <p:nvPr/>
+      </p:nvGrpSpPr>
+      <p:grpSpPr>
+        <a:xfrm>
+          <a:off x="0" y="0"/>
+          <a:ext cx="0" cy="0"/>
+          <a:chOff x="0" y="0"/>
+          <a:chExt cx="0" cy="0"/>
+        </a:xfrm>
+      </p:grpSpPr>
+      <p:sp>
+        <p:nvSpPr>
+          <p:cNvPr id="5" name="Abgerundetes Rechteck 4"/>
+          <p:cNvSpPr/>
+          <p:nvPr/>
+        </p:nvSpPr>
+        <p:spPr>
+          <a:xfrm>
+            <a:off x="4434428" y="85721"/>
+            <a:ext cx="3337974" cy="1585912"/>
+          </a:xfrm>
+          <a:prstGeom prst="roundRect">
+            <a:avLst/>
+          </a:prstGeom>
+          <a:ln w="38100">
+            <a:prstDash val="solid"/>
+          </a:ln>
+        </p:spPr>
+        <p:style>
+          <a:lnRef idx="2">
+            <a:schemeClr val="dk1"/>
+          </a:lnRef>
+          <a:fillRef idx="1">
+            <a:schemeClr val="lt1"/>
+          </a:fillRef>
+          <a:effectRef idx="0">
+            <a:schemeClr val="dk1"/>
+          </a:effectRef>
+          <a:fontRef idx="minor">
+            <a:schemeClr val="dk1"/>
+          </a:fontRef>
+        </p:style>
+        <p:txBody>
+          <a:bodyPr rtlCol="0" anchor="ctr"/>
+          <a:lstStyle/>
+          <a:p>
+            <a:pPr algn="ctr"/>
+            <a:r>
+              <a:rPr lang="de-DE" dirty="0" smtClean="0"/>
+              <a:t>SH Manager</a:t>
+            </a:r>
+            <a:endParaRPr lang="de-DE" dirty="0"/>
+          </a:p>
+        </p:txBody>
+      </p:sp>
+      <p:sp>
+        <p:nvSpPr>
+          <p:cNvPr id="25" name="Abgerundetes Rechteck 24"/>
+          <p:cNvSpPr/>
+          <p:nvPr/>
+        </p:nvSpPr>
+        <p:spPr>
+          <a:xfrm>
+            <a:off x="9163383" y="2173193"/>
+            <a:ext cx="2860117" cy="2028743"/>
+          </a:xfrm>
+          <a:prstGeom prst="roundRect">
+            <a:avLst/>
+          </a:prstGeom>
+          <a:solidFill>
+            <a:srgbClr val="00B050"/>
+          </a:solidFill>
+        </p:spPr>
+        <p:style>
+          <a:lnRef idx="2">
+            <a:schemeClr val="accent6"/>
+          </a:lnRef>
+          <a:fillRef idx="1">
+            <a:schemeClr val="lt1"/>
+          </a:fillRef>
+          <a:effectRef idx="0">
+            <a:schemeClr val="accent6"/>
+          </a:effectRef>
+          <a:fontRef idx="minor">
+            <a:schemeClr val="dk1"/>
+          </a:fontRef>
+        </p:style>
+        <p:txBody>
+          <a:bodyPr rtlCol="0" anchor="ctr"/>
+          <a:lstStyle/>
+          <a:p>
+            <a:pPr algn="ctr"/>
+            <a:r>
+              <a:rPr lang="de-DE" dirty="0" smtClean="0"/>
+              <a:t>Delta Kit</a:t>
+            </a:r>
+            <a:endParaRPr lang="de-DE" dirty="0"/>
+          </a:p>
+        </p:txBody>
+      </p:sp>
+      <mc:AlternateContent xmlns:mc="http://schemas.openxmlformats.org/markup-compatibility/2006">
+        <mc:Choice xmlns:a14="http://schemas.microsoft.com/office/drawing/2010/main" Requires="a14">
+          <p:sp>
+            <p:nvSpPr>
+              <p:cNvPr id="26" name="Oval 25"/>
+              <p:cNvSpPr/>
+              <p:nvPr/>
+            </p:nvSpPr>
+            <p:spPr>
+              <a:xfrm>
+                <a:off x="9260095" y="2532134"/>
+                <a:ext cx="823244" cy="616773"/>
+              </a:xfrm>
+              <a:prstGeom prst="ellipse">
+                <a:avLst/>
+              </a:prstGeom>
+            </p:spPr>
+            <p:style>
+              <a:lnRef idx="2">
+                <a:schemeClr val="accent6"/>
+              </a:lnRef>
+              <a:fillRef idx="1">
+                <a:schemeClr val="lt1"/>
+              </a:fillRef>
+              <a:effectRef idx="0">
+                <a:schemeClr val="accent6"/>
+              </a:effectRef>
+              <a:fontRef idx="minor">
+                <a:schemeClr val="dk1"/>
+              </a:fontRef>
+            </p:style>
+            <p:txBody>
+              <a:bodyPr rtlCol="0" anchor="ctr"/>
+              <a:lstStyle/>
+              <a:p>
+                <a:pPr algn="ctr"/>
+                <a:r>
+                  <a:rPr lang="de-DE" dirty="0"/>
+                  <a:t>T</a:t>
+                </a:r>
+                <a14:m>
+                  <m:oMath xmlns:m="http://schemas.openxmlformats.org/officeDocument/2006/math">
+                    <m:r>
+                      <a:rPr lang="de-CH" i="1">
+                        <a:latin typeface="Cambria Math" charset="0"/>
+                      </a:rPr>
+                      <m:t>º</m:t>
+                    </m:r>
+                  </m:oMath>
+                </a14:m>
+                <a:endParaRPr lang="de-DE" dirty="0"/>
+              </a:p>
+            </p:txBody>
+          </p:sp>
+        </mc:Choice>
+        <mc:Fallback>
+          <p:sp>
+            <p:nvSpPr>
+              <p:cNvPr id="26" name="Oval 25"/>
+              <p:cNvSpPr>
+                <a:spLocks noRot="1" noChangeAspect="1" noMove="1" noResize="1" noEditPoints="1" noAdjustHandles="1" noChangeArrowheads="1" noChangeShapeType="1" noTextEdit="1"/>
+              </p:cNvSpPr>
+              <p:nvPr/>
+            </p:nvSpPr>
+            <p:spPr>
+              <a:xfrm>
+                <a:off x="9260095" y="2532134"/>
+                <a:ext cx="823244" cy="616773"/>
+              </a:xfrm>
+              <a:prstGeom prst="ellipse">
+                <a:avLst/>
+              </a:prstGeom>
+              <a:blipFill rotWithShape="0">
+                <a:blip r:embed="rId2"/>
+                <a:stretch>
+                  <a:fillRect/>
+                </a:stretch>
+              </a:blipFill>
+            </p:spPr>
+            <p:txBody>
+              <a:bodyPr/>
+              <a:lstStyle/>
+              <a:p>
+                <a:r>
+                  <a:rPr lang="de-DE">
+                    <a:noFill/>
+                  </a:rPr>
+                  <a:t> </a:t>
+                </a:r>
+              </a:p>
+            </p:txBody>
+          </p:sp>
+        </mc:Fallback>
+      </mc:AlternateContent>
+      <p:sp>
+        <p:nvSpPr>
+          <p:cNvPr id="27" name="Oval 26"/>
+          <p:cNvSpPr/>
+          <p:nvPr/>
+        </p:nvSpPr>
+        <p:spPr>
+          <a:xfrm>
+            <a:off x="9258790" y="3212130"/>
+            <a:ext cx="823244" cy="616773"/>
+          </a:xfrm>
+          <a:prstGeom prst="ellipse">
+            <a:avLst/>
+          </a:prstGeom>
+        </p:spPr>
+        <p:style>
+          <a:lnRef idx="2">
+            <a:schemeClr val="accent6"/>
+          </a:lnRef>
+          <a:fillRef idx="1">
+            <a:schemeClr val="lt1"/>
+          </a:fillRef>
+          <a:effectRef idx="0">
+            <a:schemeClr val="accent6"/>
+          </a:effectRef>
+          <a:fontRef idx="minor">
+            <a:schemeClr val="dk1"/>
+          </a:fontRef>
+        </p:style>
+        <p:txBody>
+          <a:bodyPr rtlCol="0" anchor="ctr"/>
+          <a:lstStyle/>
+          <a:p>
+            <a:pPr algn="ctr"/>
+            <a:r>
+              <a:rPr lang="de-DE" dirty="0" smtClean="0"/>
+              <a:t>IMU</a:t>
+            </a:r>
+            <a:endParaRPr lang="de-DE" dirty="0"/>
+          </a:p>
+        </p:txBody>
+      </p:sp>
+      <p:sp>
+        <p:nvSpPr>
+          <p:cNvPr id="28" name="Oval 27"/>
+          <p:cNvSpPr/>
+          <p:nvPr/>
+        </p:nvSpPr>
+        <p:spPr>
+          <a:xfrm>
+            <a:off x="11084957" y="2570791"/>
+            <a:ext cx="823244" cy="616773"/>
+          </a:xfrm>
+          <a:prstGeom prst="ellipse">
+            <a:avLst/>
+          </a:prstGeom>
+        </p:spPr>
+        <p:style>
+          <a:lnRef idx="2">
+            <a:schemeClr val="accent6"/>
+          </a:lnRef>
+          <a:fillRef idx="1">
+            <a:schemeClr val="lt1"/>
+          </a:fillRef>
+          <a:effectRef idx="0">
+            <a:schemeClr val="accent6"/>
+          </a:effectRef>
+          <a:fontRef idx="minor">
+            <a:schemeClr val="dk1"/>
+          </a:fontRef>
+        </p:style>
+        <p:txBody>
+          <a:bodyPr rtlCol="0" anchor="ctr"/>
+          <a:lstStyle/>
+          <a:p>
+            <a:pPr algn="ctr"/>
+            <a:r>
+              <a:rPr lang="de-DE" dirty="0" smtClean="0"/>
+              <a:t>GPS</a:t>
+            </a:r>
+            <a:endParaRPr lang="de-DE" dirty="0"/>
+          </a:p>
+        </p:txBody>
+      </p:sp>
+      <p:sp>
+        <p:nvSpPr>
+          <p:cNvPr id="29" name="Oval 28"/>
+          <p:cNvSpPr/>
+          <p:nvPr/>
+        </p:nvSpPr>
+        <p:spPr>
+          <a:xfrm>
+            <a:off x="11092066" y="3240959"/>
+            <a:ext cx="823244" cy="616773"/>
+          </a:xfrm>
+          <a:prstGeom prst="ellipse">
+            <a:avLst/>
+          </a:prstGeom>
+        </p:spPr>
+        <p:style>
+          <a:lnRef idx="2">
+            <a:schemeClr val="accent6"/>
+          </a:lnRef>
+          <a:fillRef idx="1">
+            <a:schemeClr val="lt1"/>
+          </a:fillRef>
+          <a:effectRef idx="0">
+            <a:schemeClr val="accent6"/>
+          </a:effectRef>
+          <a:fontRef idx="minor">
+            <a:schemeClr val="dk1"/>
+          </a:fontRef>
+        </p:style>
+        <p:txBody>
+          <a:bodyPr rtlCol="0" anchor="ctr"/>
+          <a:lstStyle/>
+          <a:p>
+            <a:pPr algn="ctr"/>
+            <a:r>
+              <a:rPr lang="de-DE" dirty="0" smtClean="0"/>
+              <a:t>...</a:t>
+            </a:r>
+            <a:endParaRPr lang="de-DE" dirty="0"/>
+          </a:p>
+        </p:txBody>
+      </p:sp>
+      <p:sp>
+        <p:nvSpPr>
+          <p:cNvPr id="44" name="Abgerundetes Rechteck 43"/>
+          <p:cNvSpPr/>
+          <p:nvPr/>
+        </p:nvSpPr>
+        <p:spPr>
+          <a:xfrm>
+            <a:off x="6190133" y="3828512"/>
+            <a:ext cx="2860117" cy="2028743"/>
+          </a:xfrm>
+          <a:prstGeom prst="roundRect">
+            <a:avLst/>
+          </a:prstGeom>
+          <a:solidFill>
+            <a:srgbClr val="00B050"/>
+          </a:solidFill>
+        </p:spPr>
+        <p:style>
+          <a:lnRef idx="2">
+            <a:schemeClr val="accent6"/>
+          </a:lnRef>
+          <a:fillRef idx="1">
+            <a:schemeClr val="lt1"/>
+          </a:fillRef>
+          <a:effectRef idx="0">
+            <a:schemeClr val="accent6"/>
+          </a:effectRef>
+          <a:fontRef idx="minor">
+            <a:schemeClr val="dk1"/>
+          </a:fontRef>
+        </p:style>
+        <p:txBody>
+          <a:bodyPr rtlCol="0" anchor="ctr"/>
+          <a:lstStyle/>
+          <a:p>
+            <a:pPr algn="ctr"/>
+            <a:r>
+              <a:rPr lang="de-DE" dirty="0" smtClean="0"/>
+              <a:t>Delta Kit</a:t>
+            </a:r>
+            <a:endParaRPr lang="de-DE" dirty="0"/>
+          </a:p>
+        </p:txBody>
+      </p:sp>
+      <mc:AlternateContent xmlns:mc="http://schemas.openxmlformats.org/markup-compatibility/2006">
+        <mc:Choice xmlns:a14="http://schemas.microsoft.com/office/drawing/2010/main" Requires="a14">
+          <p:sp>
+            <p:nvSpPr>
+              <p:cNvPr id="45" name="Oval 44"/>
+              <p:cNvSpPr/>
+              <p:nvPr/>
+            </p:nvSpPr>
+            <p:spPr>
+              <a:xfrm>
+                <a:off x="6286845" y="4187453"/>
+                <a:ext cx="823244" cy="616773"/>
+              </a:xfrm>
+              <a:prstGeom prst="ellipse">
+                <a:avLst/>
+              </a:prstGeom>
+            </p:spPr>
+            <p:style>
+              <a:lnRef idx="2">
+                <a:schemeClr val="accent6"/>
+              </a:lnRef>
+              <a:fillRef idx="1">
+                <a:schemeClr val="lt1"/>
+              </a:fillRef>
+              <a:effectRef idx="0">
+                <a:schemeClr val="accent6"/>
+              </a:effectRef>
+              <a:fontRef idx="minor">
+                <a:schemeClr val="dk1"/>
+              </a:fontRef>
+            </p:style>
+            <p:txBody>
+              <a:bodyPr rtlCol="0" anchor="ctr"/>
+              <a:lstStyle/>
+              <a:p>
+                <a:pPr algn="ctr"/>
+                <a:r>
+                  <a:rPr lang="de-DE" dirty="0"/>
+                  <a:t>T</a:t>
+                </a:r>
+                <a14:m>
+                  <m:oMath xmlns:m="http://schemas.openxmlformats.org/officeDocument/2006/math">
+                    <m:r>
+                      <a:rPr lang="de-CH" i="1">
+                        <a:latin typeface="Cambria Math" charset="0"/>
+                      </a:rPr>
+                      <m:t>º</m:t>
+                    </m:r>
+                  </m:oMath>
+                </a14:m>
+                <a:endParaRPr lang="de-DE" dirty="0"/>
+              </a:p>
+            </p:txBody>
+          </p:sp>
+        </mc:Choice>
+        <mc:Fallback>
+          <p:sp>
+            <p:nvSpPr>
+              <p:cNvPr id="45" name="Oval 44"/>
+              <p:cNvSpPr>
+                <a:spLocks noRot="1" noChangeAspect="1" noMove="1" noResize="1" noEditPoints="1" noAdjustHandles="1" noChangeArrowheads="1" noChangeShapeType="1" noTextEdit="1"/>
+              </p:cNvSpPr>
+              <p:nvPr/>
+            </p:nvSpPr>
+            <p:spPr>
+              <a:xfrm>
+                <a:off x="6286845" y="4187453"/>
+                <a:ext cx="823244" cy="616773"/>
+              </a:xfrm>
+              <a:prstGeom prst="ellipse">
+                <a:avLst/>
+              </a:prstGeom>
+              <a:blipFill rotWithShape="0">
+                <a:blip r:embed="rId3"/>
+                <a:stretch>
+                  <a:fillRect/>
+                </a:stretch>
+              </a:blipFill>
+            </p:spPr>
+            <p:txBody>
+              <a:bodyPr/>
+              <a:lstStyle/>
+              <a:p>
+                <a:r>
+                  <a:rPr lang="de-DE">
+                    <a:noFill/>
+                  </a:rPr>
+                  <a:t> </a:t>
+                </a:r>
+              </a:p>
+            </p:txBody>
+          </p:sp>
+        </mc:Fallback>
+      </mc:AlternateContent>
+      <p:sp>
+        <p:nvSpPr>
+          <p:cNvPr id="46" name="Oval 45"/>
+          <p:cNvSpPr/>
+          <p:nvPr/>
+        </p:nvSpPr>
+        <p:spPr>
+          <a:xfrm>
+            <a:off x="6285540" y="4867449"/>
+            <a:ext cx="823244" cy="616773"/>
+          </a:xfrm>
+          <a:prstGeom prst="ellipse">
+            <a:avLst/>
+          </a:prstGeom>
+        </p:spPr>
+        <p:style>
+          <a:lnRef idx="2">
+            <a:schemeClr val="accent6"/>
+          </a:lnRef>
+          <a:fillRef idx="1">
+            <a:schemeClr val="lt1"/>
+          </a:fillRef>
+          <a:effectRef idx="0">
+            <a:schemeClr val="accent6"/>
+          </a:effectRef>
+          <a:fontRef idx="minor">
+            <a:schemeClr val="dk1"/>
+          </a:fontRef>
+        </p:style>
+        <p:txBody>
+          <a:bodyPr rtlCol="0" anchor="ctr"/>
+          <a:lstStyle/>
+          <a:p>
+            <a:pPr algn="ctr"/>
+            <a:r>
+              <a:rPr lang="de-DE" dirty="0" smtClean="0"/>
+              <a:t>IMU</a:t>
+            </a:r>
+            <a:endParaRPr lang="de-DE" dirty="0"/>
+          </a:p>
+        </p:txBody>
+      </p:sp>
+      <p:sp>
+        <p:nvSpPr>
+          <p:cNvPr id="47" name="Oval 46"/>
+          <p:cNvSpPr/>
+          <p:nvPr/>
+        </p:nvSpPr>
+        <p:spPr>
+          <a:xfrm>
+            <a:off x="8111707" y="4226110"/>
+            <a:ext cx="823244" cy="616773"/>
+          </a:xfrm>
+          <a:prstGeom prst="ellipse">
+            <a:avLst/>
+          </a:prstGeom>
+        </p:spPr>
+        <p:style>
+          <a:lnRef idx="2">
+            <a:schemeClr val="accent6"/>
+          </a:lnRef>
+          <a:fillRef idx="1">
+            <a:schemeClr val="lt1"/>
+          </a:fillRef>
+          <a:effectRef idx="0">
+            <a:schemeClr val="accent6"/>
+          </a:effectRef>
+          <a:fontRef idx="minor">
+            <a:schemeClr val="dk1"/>
+          </a:fontRef>
+        </p:style>
+        <p:txBody>
+          <a:bodyPr rtlCol="0" anchor="ctr"/>
+          <a:lstStyle/>
+          <a:p>
+            <a:pPr algn="ctr"/>
+            <a:r>
+              <a:rPr lang="de-DE" dirty="0" smtClean="0"/>
+              <a:t>GPS</a:t>
+            </a:r>
+            <a:endParaRPr lang="de-DE" dirty="0"/>
+          </a:p>
+        </p:txBody>
+      </p:sp>
+      <p:sp>
+        <p:nvSpPr>
+          <p:cNvPr id="48" name="Oval 47"/>
+          <p:cNvSpPr/>
+          <p:nvPr/>
+        </p:nvSpPr>
+        <p:spPr>
+          <a:xfrm>
+            <a:off x="8118816" y="4896278"/>
+            <a:ext cx="823244" cy="616773"/>
+          </a:xfrm>
+          <a:prstGeom prst="ellipse">
+            <a:avLst/>
+          </a:prstGeom>
+        </p:spPr>
+        <p:style>
+          <a:lnRef idx="2">
+            <a:schemeClr val="accent6"/>
+          </a:lnRef>
+          <a:fillRef idx="1">
+            <a:schemeClr val="lt1"/>
+          </a:fillRef>
+          <a:effectRef idx="0">
+            <a:schemeClr val="accent6"/>
+          </a:effectRef>
+          <a:fontRef idx="minor">
+            <a:schemeClr val="dk1"/>
+          </a:fontRef>
+        </p:style>
+        <p:txBody>
+          <a:bodyPr rtlCol="0" anchor="ctr"/>
+          <a:lstStyle/>
+          <a:p>
+            <a:pPr algn="ctr"/>
+            <a:r>
+              <a:rPr lang="de-DE" dirty="0" smtClean="0"/>
+              <a:t>...</a:t>
+            </a:r>
+            <a:endParaRPr lang="de-DE" dirty="0"/>
+          </a:p>
+        </p:txBody>
+      </p:sp>
+      <p:sp>
+        <p:nvSpPr>
+          <p:cNvPr id="49" name="Abgerundetes Rechteck 48"/>
+          <p:cNvSpPr/>
+          <p:nvPr/>
+        </p:nvSpPr>
+        <p:spPr>
+          <a:xfrm>
+            <a:off x="963467" y="3617722"/>
+            <a:ext cx="2456547" cy="1127706"/>
+          </a:xfrm>
+          <a:prstGeom prst="roundRect">
+            <a:avLst/>
+          </a:prstGeom>
+          <a:solidFill>
+            <a:srgbClr val="C00000"/>
+          </a:solidFill>
+        </p:spPr>
+        <p:style>
+          <a:lnRef idx="2">
+            <a:schemeClr val="accent1">
+              <a:shade val="50000"/>
+            </a:schemeClr>
+          </a:lnRef>
+          <a:fillRef idx="1">
+            <a:schemeClr val="accent1"/>
+          </a:fillRef>
+          <a:effectRef idx="0">
+            <a:schemeClr val="accent1"/>
+          </a:effectRef>
+          <a:fontRef idx="minor">
+            <a:schemeClr val="lt1"/>
+          </a:fontRef>
+        </p:style>
+        <p:txBody>
+          <a:bodyPr rtlCol="0" anchor="ctr"/>
+          <a:lstStyle/>
+          <a:p>
+            <a:pPr algn="ctr"/>
+            <a:endParaRPr lang="de-DE" dirty="0"/>
+          </a:p>
+          <a:p>
+            <a:pPr algn="ctr"/>
+            <a:endParaRPr lang="de-DE" dirty="0" smtClean="0"/>
+          </a:p>
+          <a:p>
+            <a:pPr algn="r"/>
+            <a:r>
+              <a:rPr lang="de-DE" dirty="0" smtClean="0"/>
+              <a:t>Smartphone</a:t>
+            </a:r>
+            <a:endParaRPr lang="de-DE" dirty="0"/>
+          </a:p>
+        </p:txBody>
+      </p:sp>
+      <p:sp>
+        <p:nvSpPr>
+          <p:cNvPr id="9" name="Oval 8"/>
+          <p:cNvSpPr/>
+          <p:nvPr/>
+        </p:nvSpPr>
+        <p:spPr>
+          <a:xfrm>
+            <a:off x="1210248" y="3718836"/>
+            <a:ext cx="1473918" cy="571500"/>
+          </a:xfrm>
+          <a:prstGeom prst="ellipse">
+            <a:avLst/>
+          </a:prstGeom>
+        </p:spPr>
+        <p:style>
+          <a:lnRef idx="2">
+            <a:schemeClr val="accent6"/>
+          </a:lnRef>
+          <a:fillRef idx="1">
+            <a:schemeClr val="lt1"/>
+          </a:fillRef>
+          <a:effectRef idx="0">
+            <a:schemeClr val="accent6"/>
+          </a:effectRef>
+          <a:fontRef idx="minor">
+            <a:schemeClr val="dk1"/>
+          </a:fontRef>
+        </p:style>
+        <p:txBody>
+          <a:bodyPr rtlCol="0" anchor="ctr"/>
+          <a:lstStyle/>
+          <a:p>
+            <a:pPr algn="ctr"/>
+            <a:r>
+              <a:rPr lang="de-DE" dirty="0" err="1" smtClean="0"/>
+              <a:t>pressure</a:t>
+            </a:r>
+            <a:endParaRPr lang="de-DE" dirty="0"/>
+          </a:p>
+        </p:txBody>
+      </p:sp>
+      <p:sp>
+        <p:nvSpPr>
+          <p:cNvPr id="56" name="Abgerundetes Rechteck 55"/>
+          <p:cNvSpPr/>
+          <p:nvPr/>
+        </p:nvSpPr>
+        <p:spPr>
+          <a:xfrm>
+            <a:off x="3559130" y="4751175"/>
+            <a:ext cx="2456547" cy="1127706"/>
+          </a:xfrm>
+          <a:prstGeom prst="roundRect">
+            <a:avLst/>
+          </a:prstGeom>
+          <a:solidFill>
+            <a:srgbClr val="C00000"/>
+          </a:solidFill>
+        </p:spPr>
+        <p:style>
+          <a:lnRef idx="2">
+            <a:schemeClr val="accent1">
+              <a:shade val="50000"/>
+            </a:schemeClr>
+          </a:lnRef>
+          <a:fillRef idx="1">
+            <a:schemeClr val="accent1"/>
+          </a:fillRef>
+          <a:effectRef idx="0">
+            <a:schemeClr val="accent1"/>
+          </a:effectRef>
+          <a:fontRef idx="minor">
+            <a:schemeClr val="lt1"/>
+          </a:fontRef>
+        </p:style>
+        <p:txBody>
+          <a:bodyPr rtlCol="0" anchor="ctr"/>
+          <a:lstStyle/>
+          <a:p>
+            <a:pPr algn="ctr"/>
+            <a:endParaRPr lang="de-DE" dirty="0"/>
+          </a:p>
+          <a:p>
+            <a:pPr algn="ctr"/>
+            <a:endParaRPr lang="de-DE" dirty="0" smtClean="0"/>
+          </a:p>
+          <a:p>
+            <a:pPr algn="r"/>
+            <a:r>
+              <a:rPr lang="de-DE" dirty="0" smtClean="0"/>
+              <a:t>Smartphone</a:t>
+            </a:r>
+            <a:endParaRPr lang="de-DE" dirty="0"/>
+          </a:p>
+        </p:txBody>
+      </p:sp>
+      <mc:AlternateContent xmlns:mc="http://schemas.openxmlformats.org/markup-compatibility/2006">
+        <mc:Choice xmlns:a14="http://schemas.microsoft.com/office/drawing/2010/main" Requires="a14">
+          <p:sp>
+            <p:nvSpPr>
+              <p:cNvPr id="57" name="Oval 56"/>
+              <p:cNvSpPr/>
+              <p:nvPr/>
+            </p:nvSpPr>
+            <p:spPr>
+              <a:xfrm>
+                <a:off x="3790145" y="4852289"/>
+                <a:ext cx="1473918" cy="571500"/>
+              </a:xfrm>
+              <a:prstGeom prst="ellipse">
+                <a:avLst/>
+              </a:prstGeom>
+            </p:spPr>
+            <p:style>
+              <a:lnRef idx="2">
+                <a:schemeClr val="accent6"/>
+              </a:lnRef>
+              <a:fillRef idx="1">
+                <a:schemeClr val="lt1"/>
+              </a:fillRef>
+              <a:effectRef idx="0">
+                <a:schemeClr val="accent6"/>
+              </a:effectRef>
+              <a:fontRef idx="minor">
+                <a:schemeClr val="dk1"/>
+              </a:fontRef>
+            </p:style>
+            <p:txBody>
+              <a:bodyPr rtlCol="0" anchor="ctr"/>
+              <a:lstStyle/>
+              <a:p>
+                <a:pPr algn="ctr"/>
+                <a:r>
+                  <a:rPr lang="de-DE" dirty="0" smtClean="0"/>
+                  <a:t>T</a:t>
+                </a:r>
+                <a14:m>
+                  <m:oMath xmlns:m="http://schemas.openxmlformats.org/officeDocument/2006/math">
+                    <m:r>
+                      <a:rPr lang="de-CH" i="1">
+                        <a:latin typeface="Cambria Math" charset="0"/>
+                      </a:rPr>
+                      <m:t>º</m:t>
+                    </m:r>
+                  </m:oMath>
+                </a14:m>
+                <a:endParaRPr lang="de-DE" dirty="0"/>
+              </a:p>
+            </p:txBody>
+          </p:sp>
+        </mc:Choice>
+        <mc:Fallback>
+          <p:sp>
+            <p:nvSpPr>
+              <p:cNvPr id="57" name="Oval 56"/>
+              <p:cNvSpPr>
+                <a:spLocks noRot="1" noChangeAspect="1" noMove="1" noResize="1" noEditPoints="1" noAdjustHandles="1" noChangeArrowheads="1" noChangeShapeType="1" noTextEdit="1"/>
+              </p:cNvSpPr>
+              <p:nvPr/>
+            </p:nvSpPr>
+            <p:spPr>
+              <a:xfrm>
+                <a:off x="3790145" y="4852289"/>
+                <a:ext cx="1473918" cy="571500"/>
+              </a:xfrm>
+              <a:prstGeom prst="ellipse">
+                <a:avLst/>
+              </a:prstGeom>
+              <a:blipFill rotWithShape="0">
+                <a:blip r:embed="rId4"/>
+                <a:stretch>
+                  <a:fillRect/>
+                </a:stretch>
+              </a:blipFill>
+            </p:spPr>
+            <p:txBody>
+              <a:bodyPr/>
+              <a:lstStyle/>
+              <a:p>
+                <a:r>
+                  <a:rPr lang="de-DE">
+                    <a:noFill/>
+                  </a:rPr>
+                  <a:t> </a:t>
+                </a:r>
+              </a:p>
+            </p:txBody>
+          </p:sp>
+        </mc:Fallback>
+      </mc:AlternateContent>
+      <p:sp>
+        <p:nvSpPr>
+          <p:cNvPr id="64" name="Abgerundetes Rechteck 63"/>
+          <p:cNvSpPr/>
+          <p:nvPr/>
+        </p:nvSpPr>
+        <p:spPr>
+          <a:xfrm>
+            <a:off x="635881" y="2122728"/>
+            <a:ext cx="2456547" cy="1127706"/>
+          </a:xfrm>
+          <a:prstGeom prst="roundRect">
+            <a:avLst/>
+          </a:prstGeom>
+          <a:solidFill>
+            <a:srgbClr val="0070C0"/>
+          </a:solidFill>
+        </p:spPr>
+        <p:style>
+          <a:lnRef idx="2">
+            <a:schemeClr val="accent1">
+              <a:shade val="50000"/>
+            </a:schemeClr>
+          </a:lnRef>
+          <a:fillRef idx="1">
+            <a:schemeClr val="accent1"/>
+          </a:fillRef>
+          <a:effectRef idx="0">
+            <a:schemeClr val="accent1"/>
+          </a:effectRef>
+          <a:fontRef idx="minor">
+            <a:schemeClr val="lt1"/>
+          </a:fontRef>
+        </p:style>
+        <p:txBody>
+          <a:bodyPr rtlCol="0" anchor="ctr"/>
+          <a:lstStyle/>
+          <a:p>
+            <a:pPr algn="ctr"/>
+            <a:endParaRPr lang="de-DE" dirty="0"/>
+          </a:p>
+          <a:p>
+            <a:pPr algn="ctr"/>
+            <a:endParaRPr lang="de-DE" dirty="0" smtClean="0"/>
+          </a:p>
+          <a:p>
+            <a:pPr algn="r"/>
+            <a:r>
+              <a:rPr lang="de-DE" dirty="0" smtClean="0"/>
+              <a:t>Laptop</a:t>
+            </a:r>
+            <a:endParaRPr lang="de-DE" dirty="0"/>
+          </a:p>
+        </p:txBody>
+      </p:sp>
+      <p:sp>
+        <p:nvSpPr>
+          <p:cNvPr id="65" name="Oval 64"/>
+          <p:cNvSpPr/>
+          <p:nvPr/>
+        </p:nvSpPr>
+        <p:spPr>
+          <a:xfrm>
+            <a:off x="882662" y="2223842"/>
+            <a:ext cx="1473918" cy="571500"/>
+          </a:xfrm>
+          <a:prstGeom prst="ellipse">
+            <a:avLst/>
+          </a:prstGeom>
+        </p:spPr>
+        <p:style>
+          <a:lnRef idx="2">
+            <a:schemeClr val="accent6"/>
+          </a:lnRef>
+          <a:fillRef idx="1">
+            <a:schemeClr val="lt1"/>
+          </a:fillRef>
+          <a:effectRef idx="0">
+            <a:schemeClr val="accent6"/>
+          </a:effectRef>
+          <a:fontRef idx="minor">
+            <a:schemeClr val="dk1"/>
+          </a:fontRef>
+        </p:style>
+        <p:txBody>
+          <a:bodyPr rtlCol="0" anchor="ctr"/>
+          <a:lstStyle/>
+          <a:p>
+            <a:pPr algn="ctr"/>
+            <a:r>
+              <a:rPr lang="de-DE" dirty="0" smtClean="0"/>
+              <a:t>Binary</a:t>
+            </a:r>
+            <a:endParaRPr lang="de-DE" dirty="0"/>
+          </a:p>
+        </p:txBody>
+      </p:sp>
+      <p:cxnSp>
+        <p:nvCxnSpPr>
+          <p:cNvPr id="67" name="Gerade Verbindung mit Pfeil 66"/>
+          <p:cNvCxnSpPr/>
+          <p:nvPr/>
+        </p:nvCxnSpPr>
+        <p:spPr>
+          <a:xfrm flipV="1">
+            <a:off x="3092428" y="1543050"/>
+            <a:ext cx="1342000" cy="680792"/>
+          </a:xfrm>
+          <a:prstGeom prst="straightConnector1">
+            <a:avLst/>
+          </a:prstGeom>
+          <a:ln>
+            <a:tailEnd type="triangle"/>
+          </a:ln>
+        </p:spPr>
+        <p:style>
+          <a:lnRef idx="3">
+            <a:schemeClr val="dk1"/>
+          </a:lnRef>
+          <a:fillRef idx="0">
+            <a:schemeClr val="dk1"/>
+          </a:fillRef>
+          <a:effectRef idx="2">
+            <a:schemeClr val="dk1"/>
+          </a:effectRef>
+          <a:fontRef idx="minor">
+            <a:schemeClr val="tx1"/>
+          </a:fontRef>
+        </p:style>
+      </p:cxnSp>
+      <p:cxnSp>
+        <p:nvCxnSpPr>
+          <p:cNvPr id="69" name="Gerade Verbindung mit Pfeil 68"/>
+          <p:cNvCxnSpPr/>
+          <p:nvPr/>
+        </p:nvCxnSpPr>
+        <p:spPr>
+          <a:xfrm flipV="1">
+            <a:off x="3420014" y="1671633"/>
+            <a:ext cx="1494886" cy="2047203"/>
+          </a:xfrm>
+          <a:prstGeom prst="straightConnector1">
+            <a:avLst/>
+          </a:prstGeom>
+          <a:ln>
+            <a:tailEnd type="triangle"/>
+          </a:ln>
+        </p:spPr>
+        <p:style>
+          <a:lnRef idx="3">
+            <a:schemeClr val="dk1"/>
+          </a:lnRef>
+          <a:fillRef idx="0">
+            <a:schemeClr val="dk1"/>
+          </a:fillRef>
+          <a:effectRef idx="2">
+            <a:schemeClr val="dk1"/>
+          </a:effectRef>
+          <a:fontRef idx="minor">
+            <a:schemeClr val="tx1"/>
+          </a:fontRef>
+        </p:style>
+      </p:cxnSp>
+      <p:cxnSp>
+        <p:nvCxnSpPr>
+          <p:cNvPr id="70" name="Gerade Verbindung mit Pfeil 69"/>
+          <p:cNvCxnSpPr/>
+          <p:nvPr/>
+        </p:nvCxnSpPr>
+        <p:spPr>
+          <a:xfrm flipV="1">
+            <a:off x="4675355" y="1699051"/>
+            <a:ext cx="967124" cy="3052126"/>
+          </a:xfrm>
+          <a:prstGeom prst="straightConnector1">
+            <a:avLst/>
+          </a:prstGeom>
+          <a:ln>
+            <a:tailEnd type="triangle"/>
+          </a:ln>
+        </p:spPr>
+        <p:style>
+          <a:lnRef idx="3">
+            <a:schemeClr val="dk1"/>
+          </a:lnRef>
+          <a:fillRef idx="0">
+            <a:schemeClr val="dk1"/>
+          </a:fillRef>
+          <a:effectRef idx="2">
+            <a:schemeClr val="dk1"/>
+          </a:effectRef>
+          <a:fontRef idx="minor">
+            <a:schemeClr val="tx1"/>
+          </a:fontRef>
+        </p:style>
+      </p:cxnSp>
+      <p:cxnSp>
+        <p:nvCxnSpPr>
+          <p:cNvPr id="72" name="Gerade Verbindung mit Pfeil 71"/>
+          <p:cNvCxnSpPr/>
+          <p:nvPr/>
+        </p:nvCxnSpPr>
+        <p:spPr>
+          <a:xfrm flipH="1" flipV="1">
+            <a:off x="6486525" y="1671633"/>
+            <a:ext cx="1014790" cy="2147311"/>
+          </a:xfrm>
+          <a:prstGeom prst="straightConnector1">
+            <a:avLst/>
+          </a:prstGeom>
+          <a:ln>
+            <a:tailEnd type="triangle"/>
+          </a:ln>
+        </p:spPr>
+        <p:style>
+          <a:lnRef idx="3">
+            <a:schemeClr val="dk1"/>
+          </a:lnRef>
+          <a:fillRef idx="0">
+            <a:schemeClr val="dk1"/>
+          </a:fillRef>
+          <a:effectRef idx="2">
+            <a:schemeClr val="dk1"/>
+          </a:effectRef>
+          <a:fontRef idx="minor">
+            <a:schemeClr val="tx1"/>
+          </a:fontRef>
+        </p:style>
+      </p:cxnSp>
+      <p:cxnSp>
+        <p:nvCxnSpPr>
+          <p:cNvPr id="75" name="Gerade Verbindung mit Pfeil 74"/>
+          <p:cNvCxnSpPr/>
+          <p:nvPr/>
+        </p:nvCxnSpPr>
+        <p:spPr>
+          <a:xfrm flipH="1" flipV="1">
+            <a:off x="7772402" y="1543050"/>
+            <a:ext cx="1486388" cy="684039"/>
+          </a:xfrm>
+          <a:prstGeom prst="straightConnector1">
+            <a:avLst/>
+          </a:prstGeom>
+          <a:ln>
+            <a:tailEnd type="triangle"/>
+          </a:ln>
+        </p:spPr>
+        <p:style>
+          <a:lnRef idx="3">
+            <a:schemeClr val="dk1"/>
+          </a:lnRef>
+          <a:fillRef idx="0">
+            <a:schemeClr val="dk1"/>
+          </a:fillRef>
+          <a:effectRef idx="2">
+            <a:schemeClr val="dk1"/>
+          </a:effectRef>
+          <a:fontRef idx="minor">
+            <a:schemeClr val="tx1"/>
+          </a:fontRef>
+        </p:style>
+      </p:cxnSp>
+    </p:spTree>
+    <p:extLst>
+      <p:ext uri="{BB962C8B-B14F-4D97-AF65-F5344CB8AC3E}">
+        <p14:creationId xmlns:p14="http://schemas.microsoft.com/office/powerpoint/2010/main" val="1274216425"/>
+      </p:ext>
+    </p:extLst>
+  </p:cSld>
+  <p:clrMapOvr>
+    <a:masterClrMapping/>
+  </p:clrMapOvr>
+  <p:timing>
+    <p:tnLst>
+      <p:par>
+        <p:cTn id="1" dur="indefinite" restart="never" nodeType="tmRoot">
+          <p:childTnLst>
+            <p:seq concurrent="1" nextAc="seek">
+              <p:cTn id="2" dur="indefinite" nodeType="mainSeq">
+                <p:childTnLst>
+                  <p:par>
+                    <p:cTn id="3" fill="hold">
+                      <p:stCondLst>
+                        <p:cond delay="indefinite"/>
+                      </p:stCondLst>
+                      <p:childTnLst>
+                        <p:par>
+                          <p:cTn id="4" fill="hold">
+                            <p:stCondLst>
+                              <p:cond delay="0"/>
+                            </p:stCondLst>
+                            <p:childTnLst>
+                              <p:par>
+                                <p:cTn id="5" presetID="3" presetClass="entr" presetSubtype="10" fill="hold" grpId="0" nodeType="clickEffect">
+                                  <p:stCondLst>
+                                    <p:cond delay="0"/>
+                                  </p:stCondLst>
+                                  <p:childTnLst>
+                                    <p:set>
+                                      <p:cBhvr>
+                                        <p:cTn id="6" dur="1" fill="hold">
+                                          <p:stCondLst>
+                                            <p:cond delay="0"/>
+                                          </p:stCondLst>
+                                        </p:cTn>
+                                        <p:tgtEl>
+                                          <p:spTgt spid="5"/>
+                                        </p:tgtEl>
+                                        <p:attrNameLst>
+                                          <p:attrName>style.visibility</p:attrName>
+                                        </p:attrNameLst>
+                                      </p:cBhvr>
+                                      <p:to>
+                                        <p:strVal val="visible"/>
+                                      </p:to>
+                                    </p:set>
+                                    <p:animEffect transition="in" filter="blinds(horizontal)">
+                                      <p:cBhvr>
+                                        <p:cTn id="7" dur="500"/>
+                                        <p:tgtEl>
+                                          <p:spTgt spid="5"/>
+                                        </p:tgtEl>
+                                      </p:cBhvr>
+                                    </p:animEffect>
+                                  </p:childTnLst>
+                                </p:cTn>
+                              </p:par>
+                            </p:childTnLst>
+                          </p:cTn>
+                        </p:par>
+                      </p:childTnLst>
+                    </p:cTn>
+                  </p:par>
+                  <p:par>
+                    <p:cTn id="8" fill="hold">
+                      <p:stCondLst>
+                        <p:cond delay="indefinite"/>
+                      </p:stCondLst>
+                      <p:childTnLst>
+                        <p:par>
+                          <p:cTn id="9" fill="hold">
+                            <p:stCondLst>
+                              <p:cond delay="0"/>
+                            </p:stCondLst>
+                            <p:childTnLst>
+                              <p:par>
+                                <p:cTn id="10" presetID="3" presetClass="entr" presetSubtype="10" fill="hold" grpId="0" nodeType="clickEffect">
+                                  <p:stCondLst>
+                                    <p:cond delay="0"/>
+                                  </p:stCondLst>
+                                  <p:childTnLst>
+                                    <p:set>
+                                      <p:cBhvr>
+                                        <p:cTn id="11" dur="1" fill="hold">
+                                          <p:stCondLst>
+                                            <p:cond delay="0"/>
+                                          </p:stCondLst>
+                                        </p:cTn>
+                                        <p:tgtEl>
+                                          <p:spTgt spid="65"/>
+                                        </p:tgtEl>
+                                        <p:attrNameLst>
+                                          <p:attrName>style.visibility</p:attrName>
+                                        </p:attrNameLst>
+                                      </p:cBhvr>
+                                      <p:to>
+                                        <p:strVal val="visible"/>
+                                      </p:to>
+                                    </p:set>
+                                    <p:animEffect transition="in" filter="blinds(horizontal)">
+                                      <p:cBhvr>
+                                        <p:cTn id="12" dur="500"/>
+                                        <p:tgtEl>
+                                          <p:spTgt spid="65"/>
+                                        </p:tgtEl>
+                                      </p:cBhvr>
+                                    </p:animEffect>
+                                  </p:childTnLst>
+                                </p:cTn>
+                              </p:par>
+                              <p:par>
+                                <p:cTn id="13" presetID="3" presetClass="entr" presetSubtype="10" fill="hold" grpId="0" nodeType="withEffect">
+                                  <p:stCondLst>
+                                    <p:cond delay="0"/>
+                                  </p:stCondLst>
+                                  <p:childTnLst>
+                                    <p:set>
+                                      <p:cBhvr>
+                                        <p:cTn id="14" dur="1" fill="hold">
+                                          <p:stCondLst>
+                                            <p:cond delay="0"/>
+                                          </p:stCondLst>
+                                        </p:cTn>
+                                        <p:tgtEl>
+                                          <p:spTgt spid="9"/>
+                                        </p:tgtEl>
+                                        <p:attrNameLst>
+                                          <p:attrName>style.visibility</p:attrName>
+                                        </p:attrNameLst>
+                                      </p:cBhvr>
+                                      <p:to>
+                                        <p:strVal val="visible"/>
+                                      </p:to>
+                                    </p:set>
+                                    <p:animEffect transition="in" filter="blinds(horizontal)">
+                                      <p:cBhvr>
+                                        <p:cTn id="15" dur="500"/>
+                                        <p:tgtEl>
+                                          <p:spTgt spid="9"/>
+                                        </p:tgtEl>
+                                      </p:cBhvr>
+                                    </p:animEffect>
+                                  </p:childTnLst>
+                                </p:cTn>
+                              </p:par>
+                              <p:par>
+                                <p:cTn id="16" presetID="3" presetClass="entr" presetSubtype="10" fill="hold" grpId="0" nodeType="withEffect">
+                                  <p:stCondLst>
+                                    <p:cond delay="0"/>
+                                  </p:stCondLst>
+                                  <p:childTnLst>
+                                    <p:set>
+                                      <p:cBhvr>
+                                        <p:cTn id="17" dur="1" fill="hold">
+                                          <p:stCondLst>
+                                            <p:cond delay="0"/>
+                                          </p:stCondLst>
+                                        </p:cTn>
+                                        <p:tgtEl>
+                                          <p:spTgt spid="57"/>
+                                        </p:tgtEl>
+                                        <p:attrNameLst>
+                                          <p:attrName>style.visibility</p:attrName>
+                                        </p:attrNameLst>
+                                      </p:cBhvr>
+                                      <p:to>
+                                        <p:strVal val="visible"/>
+                                      </p:to>
+                                    </p:set>
+                                    <p:animEffect transition="in" filter="blinds(horizontal)">
+                                      <p:cBhvr>
+                                        <p:cTn id="18" dur="500"/>
+                                        <p:tgtEl>
+                                          <p:spTgt spid="57"/>
+                                        </p:tgtEl>
+                                      </p:cBhvr>
+                                    </p:animEffect>
+                                  </p:childTnLst>
+                                </p:cTn>
+                              </p:par>
+                              <p:par>
+                                <p:cTn id="19" presetID="3" presetClass="entr" presetSubtype="10" fill="hold" grpId="0" nodeType="withEffect">
+                                  <p:stCondLst>
+                                    <p:cond delay="0"/>
+                                  </p:stCondLst>
+                                  <p:childTnLst>
+                                    <p:set>
+                                      <p:cBhvr>
+                                        <p:cTn id="20" dur="1" fill="hold">
+                                          <p:stCondLst>
+                                            <p:cond delay="0"/>
+                                          </p:stCondLst>
+                                        </p:cTn>
+                                        <p:tgtEl>
+                                          <p:spTgt spid="45"/>
+                                        </p:tgtEl>
+                                        <p:attrNameLst>
+                                          <p:attrName>style.visibility</p:attrName>
+                                        </p:attrNameLst>
+                                      </p:cBhvr>
+                                      <p:to>
+                                        <p:strVal val="visible"/>
+                                      </p:to>
+                                    </p:set>
+                                    <p:animEffect transition="in" filter="blinds(horizontal)">
+                                      <p:cBhvr>
+                                        <p:cTn id="21" dur="500"/>
+                                        <p:tgtEl>
+                                          <p:spTgt spid="45"/>
+                                        </p:tgtEl>
+                                      </p:cBhvr>
+                                    </p:animEffect>
+                                  </p:childTnLst>
+                                </p:cTn>
+                              </p:par>
+                              <p:par>
+                                <p:cTn id="22" presetID="3" presetClass="entr" presetSubtype="10" fill="hold" grpId="0" nodeType="withEffect">
+                                  <p:stCondLst>
+                                    <p:cond delay="0"/>
+                                  </p:stCondLst>
+                                  <p:childTnLst>
+                                    <p:set>
+                                      <p:cBhvr>
+                                        <p:cTn id="23" dur="1" fill="hold">
+                                          <p:stCondLst>
+                                            <p:cond delay="0"/>
+                                          </p:stCondLst>
+                                        </p:cTn>
+                                        <p:tgtEl>
+                                          <p:spTgt spid="46"/>
+                                        </p:tgtEl>
+                                        <p:attrNameLst>
+                                          <p:attrName>style.visibility</p:attrName>
+                                        </p:attrNameLst>
+                                      </p:cBhvr>
+                                      <p:to>
+                                        <p:strVal val="visible"/>
+                                      </p:to>
+                                    </p:set>
+                                    <p:animEffect transition="in" filter="blinds(horizontal)">
+                                      <p:cBhvr>
+                                        <p:cTn id="24" dur="500"/>
+                                        <p:tgtEl>
+                                          <p:spTgt spid="46"/>
+                                        </p:tgtEl>
+                                      </p:cBhvr>
+                                    </p:animEffect>
+                                  </p:childTnLst>
+                                </p:cTn>
+                              </p:par>
+                              <p:par>
+                                <p:cTn id="25" presetID="3" presetClass="entr" presetSubtype="10" fill="hold" grpId="0" nodeType="withEffect">
+                                  <p:stCondLst>
+                                    <p:cond delay="0"/>
+                                  </p:stCondLst>
+                                  <p:childTnLst>
+                                    <p:set>
+                                      <p:cBhvr>
+                                        <p:cTn id="26" dur="1" fill="hold">
+                                          <p:stCondLst>
+                                            <p:cond delay="0"/>
+                                          </p:stCondLst>
+                                        </p:cTn>
+                                        <p:tgtEl>
+                                          <p:spTgt spid="48"/>
+                                        </p:tgtEl>
+                                        <p:attrNameLst>
+                                          <p:attrName>style.visibility</p:attrName>
+                                        </p:attrNameLst>
+                                      </p:cBhvr>
+                                      <p:to>
+                                        <p:strVal val="visible"/>
+                                      </p:to>
+                                    </p:set>
+                                    <p:animEffect transition="in" filter="blinds(horizontal)">
+                                      <p:cBhvr>
+                                        <p:cTn id="27" dur="500"/>
+                                        <p:tgtEl>
+                                          <p:spTgt spid="48"/>
+                                        </p:tgtEl>
+                                      </p:cBhvr>
+                                    </p:animEffect>
+                                  </p:childTnLst>
+                                </p:cTn>
+                              </p:par>
+                              <p:par>
+                                <p:cTn id="28" presetID="3" presetClass="entr" presetSubtype="10" fill="hold" grpId="0" nodeType="withEffect">
+                                  <p:stCondLst>
+                                    <p:cond delay="0"/>
+                                  </p:stCondLst>
+                                  <p:childTnLst>
+                                    <p:set>
+                                      <p:cBhvr>
+                                        <p:cTn id="29" dur="1" fill="hold">
+                                          <p:stCondLst>
+                                            <p:cond delay="0"/>
+                                          </p:stCondLst>
+                                        </p:cTn>
+                                        <p:tgtEl>
+                                          <p:spTgt spid="47"/>
+                                        </p:tgtEl>
+                                        <p:attrNameLst>
+                                          <p:attrName>style.visibility</p:attrName>
+                                        </p:attrNameLst>
+                                      </p:cBhvr>
+                                      <p:to>
+                                        <p:strVal val="visible"/>
+                                      </p:to>
+                                    </p:set>
+                                    <p:animEffect transition="in" filter="blinds(horizontal)">
+                                      <p:cBhvr>
+                                        <p:cTn id="30" dur="500"/>
+                                        <p:tgtEl>
+                                          <p:spTgt spid="47"/>
+                                        </p:tgtEl>
+                                      </p:cBhvr>
+                                    </p:animEffect>
+                                  </p:childTnLst>
+                                </p:cTn>
+                              </p:par>
+                              <p:par>
+                                <p:cTn id="31" presetID="3" presetClass="entr" presetSubtype="10" fill="hold" grpId="0" nodeType="withEffect">
+                                  <p:stCondLst>
+                                    <p:cond delay="0"/>
+                                  </p:stCondLst>
+                                  <p:childTnLst>
+                                    <p:set>
+                                      <p:cBhvr>
+                                        <p:cTn id="32" dur="1" fill="hold">
+                                          <p:stCondLst>
+                                            <p:cond delay="0"/>
+                                          </p:stCondLst>
+                                        </p:cTn>
+                                        <p:tgtEl>
+                                          <p:spTgt spid="26"/>
+                                        </p:tgtEl>
+                                        <p:attrNameLst>
+                                          <p:attrName>style.visibility</p:attrName>
+                                        </p:attrNameLst>
+                                      </p:cBhvr>
+                                      <p:to>
+                                        <p:strVal val="visible"/>
+                                      </p:to>
+                                    </p:set>
+                                    <p:animEffect transition="in" filter="blinds(horizontal)">
+                                      <p:cBhvr>
+                                        <p:cTn id="33" dur="500"/>
+                                        <p:tgtEl>
+                                          <p:spTgt spid="26"/>
+                                        </p:tgtEl>
+                                      </p:cBhvr>
+                                    </p:animEffect>
+                                  </p:childTnLst>
+                                </p:cTn>
+                              </p:par>
+                              <p:par>
+                                <p:cTn id="34" presetID="3" presetClass="entr" presetSubtype="10" fill="hold" grpId="0" nodeType="withEffect">
+                                  <p:stCondLst>
+                                    <p:cond delay="0"/>
+                                  </p:stCondLst>
+                                  <p:childTnLst>
+                                    <p:set>
+                                      <p:cBhvr>
+                                        <p:cTn id="35" dur="1" fill="hold">
+                                          <p:stCondLst>
+                                            <p:cond delay="0"/>
+                                          </p:stCondLst>
+                                        </p:cTn>
+                                        <p:tgtEl>
+                                          <p:spTgt spid="27"/>
+                                        </p:tgtEl>
+                                        <p:attrNameLst>
+                                          <p:attrName>style.visibility</p:attrName>
+                                        </p:attrNameLst>
+                                      </p:cBhvr>
+                                      <p:to>
+                                        <p:strVal val="visible"/>
+                                      </p:to>
+                                    </p:set>
+                                    <p:animEffect transition="in" filter="blinds(horizontal)">
+                                      <p:cBhvr>
+                                        <p:cTn id="36" dur="500"/>
+                                        <p:tgtEl>
+                                          <p:spTgt spid="27"/>
+                                        </p:tgtEl>
+                                      </p:cBhvr>
+                                    </p:animEffect>
+                                  </p:childTnLst>
+                                </p:cTn>
+                              </p:par>
+                              <p:par>
+                                <p:cTn id="37" presetID="3" presetClass="entr" presetSubtype="10" fill="hold" grpId="0" nodeType="withEffect">
+                                  <p:stCondLst>
+                                    <p:cond delay="0"/>
+                                  </p:stCondLst>
+                                  <p:childTnLst>
+                                    <p:set>
+                                      <p:cBhvr>
+                                        <p:cTn id="38" dur="1" fill="hold">
+                                          <p:stCondLst>
+                                            <p:cond delay="0"/>
+                                          </p:stCondLst>
+                                        </p:cTn>
+                                        <p:tgtEl>
+                                          <p:spTgt spid="28"/>
+                                        </p:tgtEl>
+                                        <p:attrNameLst>
+                                          <p:attrName>style.visibility</p:attrName>
+                                        </p:attrNameLst>
+                                      </p:cBhvr>
+                                      <p:to>
+                                        <p:strVal val="visible"/>
+                                      </p:to>
+                                    </p:set>
+                                    <p:animEffect transition="in" filter="blinds(horizontal)">
+                                      <p:cBhvr>
+                                        <p:cTn id="39" dur="500"/>
+                                        <p:tgtEl>
+                                          <p:spTgt spid="28"/>
+                                        </p:tgtEl>
+                                      </p:cBhvr>
+                                    </p:animEffect>
+                                  </p:childTnLst>
+                                </p:cTn>
+                              </p:par>
+                              <p:par>
+                                <p:cTn id="40" presetID="3" presetClass="entr" presetSubtype="10" fill="hold" grpId="0" nodeType="withEffect">
+                                  <p:stCondLst>
+                                    <p:cond delay="0"/>
+                                  </p:stCondLst>
+                                  <p:childTnLst>
+                                    <p:set>
+                                      <p:cBhvr>
+                                        <p:cTn id="41" dur="1" fill="hold">
+                                          <p:stCondLst>
+                                            <p:cond delay="0"/>
+                                          </p:stCondLst>
+                                        </p:cTn>
+                                        <p:tgtEl>
+                                          <p:spTgt spid="29"/>
+                                        </p:tgtEl>
+                                        <p:attrNameLst>
+                                          <p:attrName>style.visibility</p:attrName>
+                                        </p:attrNameLst>
+                                      </p:cBhvr>
+                                      <p:to>
+                                        <p:strVal val="visible"/>
+                                      </p:to>
+                                    </p:set>
+                                    <p:animEffect transition="in" filter="blinds(horizontal)">
+                                      <p:cBhvr>
+                                        <p:cTn id="42" dur="500"/>
+                                        <p:tgtEl>
+                                          <p:spTgt spid="29"/>
+                                        </p:tgtEl>
+                                      </p:cBhvr>
+                                    </p:animEffect>
+                                  </p:childTnLst>
+                                </p:cTn>
+                              </p:par>
+                            </p:childTnLst>
+                          </p:cTn>
+                        </p:par>
+                      </p:childTnLst>
+                    </p:cTn>
+                  </p:par>
+                  <p:par>
+                    <p:cTn id="43" fill="hold">
+                      <p:stCondLst>
+                        <p:cond delay="indefinite"/>
+                      </p:stCondLst>
+                      <p:childTnLst>
+                        <p:par>
+                          <p:cTn id="44" fill="hold">
+                            <p:stCondLst>
+                              <p:cond delay="0"/>
+                            </p:stCondLst>
+                            <p:childTnLst>
+                              <p:par>
+                                <p:cTn id="45" presetID="3" presetClass="entr" presetSubtype="10" fill="hold" grpId="0" nodeType="clickEffect">
+                                  <p:stCondLst>
+                                    <p:cond delay="0"/>
+                                  </p:stCondLst>
+                                  <p:childTnLst>
+                                    <p:set>
+                                      <p:cBhvr>
+                                        <p:cTn id="46" dur="1" fill="hold">
+                                          <p:stCondLst>
+                                            <p:cond delay="0"/>
+                                          </p:stCondLst>
+                                        </p:cTn>
+                                        <p:tgtEl>
+                                          <p:spTgt spid="64"/>
+                                        </p:tgtEl>
+                                        <p:attrNameLst>
+                                          <p:attrName>style.visibility</p:attrName>
+                                        </p:attrNameLst>
+                                      </p:cBhvr>
+                                      <p:to>
+                                        <p:strVal val="visible"/>
+                                      </p:to>
+                                    </p:set>
+                                    <p:animEffect transition="in" filter="blinds(horizontal)">
+                                      <p:cBhvr>
+                                        <p:cTn id="47" dur="500"/>
+                                        <p:tgtEl>
+                                          <p:spTgt spid="64"/>
+                                        </p:tgtEl>
+                                      </p:cBhvr>
+                                    </p:animEffect>
+                                  </p:childTnLst>
+                                </p:cTn>
+                              </p:par>
+                              <p:par>
+                                <p:cTn id="48" presetID="3" presetClass="entr" presetSubtype="10" fill="hold" grpId="0" nodeType="withEffect">
+                                  <p:stCondLst>
+                                    <p:cond delay="0"/>
+                                  </p:stCondLst>
+                                  <p:childTnLst>
+                                    <p:set>
+                                      <p:cBhvr>
+                                        <p:cTn id="49" dur="1" fill="hold">
+                                          <p:stCondLst>
+                                            <p:cond delay="0"/>
+                                          </p:stCondLst>
+                                        </p:cTn>
+                                        <p:tgtEl>
+                                          <p:spTgt spid="49"/>
+                                        </p:tgtEl>
+                                        <p:attrNameLst>
+                                          <p:attrName>style.visibility</p:attrName>
+                                        </p:attrNameLst>
+                                      </p:cBhvr>
+                                      <p:to>
+                                        <p:strVal val="visible"/>
+                                      </p:to>
+                                    </p:set>
+                                    <p:animEffect transition="in" filter="blinds(horizontal)">
+                                      <p:cBhvr>
+                                        <p:cTn id="50" dur="500"/>
+                                        <p:tgtEl>
+                                          <p:spTgt spid="49"/>
+                                        </p:tgtEl>
+                                      </p:cBhvr>
+                                    </p:animEffect>
+                                  </p:childTnLst>
+                                </p:cTn>
+                              </p:par>
+                              <p:par>
+                                <p:cTn id="51" presetID="3" presetClass="entr" presetSubtype="10" fill="hold" grpId="0" nodeType="withEffect">
+                                  <p:stCondLst>
+                                    <p:cond delay="0"/>
+                                  </p:stCondLst>
+                                  <p:childTnLst>
+                                    <p:set>
+                                      <p:cBhvr>
+                                        <p:cTn id="52" dur="1" fill="hold">
+                                          <p:stCondLst>
+                                            <p:cond delay="0"/>
+                                          </p:stCondLst>
+                                        </p:cTn>
+                                        <p:tgtEl>
+                                          <p:spTgt spid="56"/>
+                                        </p:tgtEl>
+                                        <p:attrNameLst>
+                                          <p:attrName>style.visibility</p:attrName>
+                                        </p:attrNameLst>
+                                      </p:cBhvr>
+                                      <p:to>
+                                        <p:strVal val="visible"/>
+                                      </p:to>
+                                    </p:set>
+                                    <p:animEffect transition="in" filter="blinds(horizontal)">
+                                      <p:cBhvr>
+                                        <p:cTn id="53" dur="500"/>
+                                        <p:tgtEl>
+                                          <p:spTgt spid="56"/>
+                                        </p:tgtEl>
+                                      </p:cBhvr>
+                                    </p:animEffect>
+                                  </p:childTnLst>
+                                </p:cTn>
+                              </p:par>
+                              <p:par>
+                                <p:cTn id="54" presetID="3" presetClass="entr" presetSubtype="10" fill="hold" grpId="0" nodeType="withEffect">
+                                  <p:stCondLst>
+                                    <p:cond delay="0"/>
+                                  </p:stCondLst>
+                                  <p:childTnLst>
+                                    <p:set>
+                                      <p:cBhvr>
+                                        <p:cTn id="55" dur="1" fill="hold">
+                                          <p:stCondLst>
+                                            <p:cond delay="0"/>
+                                          </p:stCondLst>
+                                        </p:cTn>
+                                        <p:tgtEl>
+                                          <p:spTgt spid="44"/>
+                                        </p:tgtEl>
+                                        <p:attrNameLst>
+                                          <p:attrName>style.visibility</p:attrName>
+                                        </p:attrNameLst>
+                                      </p:cBhvr>
+                                      <p:to>
+                                        <p:strVal val="visible"/>
+                                      </p:to>
+                                    </p:set>
+                                    <p:animEffect transition="in" filter="blinds(horizontal)">
+                                      <p:cBhvr>
+                                        <p:cTn id="56" dur="500"/>
+                                        <p:tgtEl>
+                                          <p:spTgt spid="44"/>
+                                        </p:tgtEl>
+                                      </p:cBhvr>
+                                    </p:animEffect>
+                                  </p:childTnLst>
+                                </p:cTn>
+                              </p:par>
+                              <p:par>
+                                <p:cTn id="57" presetID="3" presetClass="entr" presetSubtype="10" fill="hold" grpId="0" nodeType="withEffect">
+                                  <p:stCondLst>
+                                    <p:cond delay="0"/>
+                                  </p:stCondLst>
+                                  <p:childTnLst>
+                                    <p:set>
+                                      <p:cBhvr>
+                                        <p:cTn id="58" dur="1" fill="hold">
+                                          <p:stCondLst>
+                                            <p:cond delay="0"/>
+                                          </p:stCondLst>
+                                        </p:cTn>
+                                        <p:tgtEl>
+                                          <p:spTgt spid="25"/>
+                                        </p:tgtEl>
+                                        <p:attrNameLst>
+                                          <p:attrName>style.visibility</p:attrName>
+                                        </p:attrNameLst>
+                                      </p:cBhvr>
+                                      <p:to>
+                                        <p:strVal val="visible"/>
+                                      </p:to>
+                                    </p:set>
+                                    <p:animEffect transition="in" filter="blinds(horizontal)">
+                                      <p:cBhvr>
+                                        <p:cTn id="59" dur="500"/>
+                                        <p:tgtEl>
+                                          <p:spTgt spid="25"/>
+                                        </p:tgtEl>
+                                      </p:cBhvr>
+                                    </p:animEffect>
+                                  </p:childTnLst>
+                                </p:cTn>
+                              </p:par>
+                            </p:childTnLst>
+                          </p:cTn>
+                        </p:par>
+                      </p:childTnLst>
+                    </p:cTn>
+                  </p:par>
+                  <p:par>
+                    <p:cTn id="60" fill="hold">
+                      <p:stCondLst>
+                        <p:cond delay="indefinite"/>
+                      </p:stCondLst>
+                      <p:childTnLst>
+                        <p:par>
+                          <p:cTn id="61" fill="hold">
+                            <p:stCondLst>
+                              <p:cond delay="0"/>
+                            </p:stCondLst>
+                            <p:childTnLst>
+                              <p:par>
+                                <p:cTn id="62" presetID="3" presetClass="entr" presetSubtype="10" fill="hold" nodeType="clickEffect">
+                                  <p:stCondLst>
+                                    <p:cond delay="0"/>
+                                  </p:stCondLst>
+                                  <p:childTnLst>
+                                    <p:set>
+                                      <p:cBhvr>
+                                        <p:cTn id="63" dur="1" fill="hold">
+                                          <p:stCondLst>
+                                            <p:cond delay="0"/>
+                                          </p:stCondLst>
+                                        </p:cTn>
+                                        <p:tgtEl>
+                                          <p:spTgt spid="67"/>
+                                        </p:tgtEl>
+                                        <p:attrNameLst>
+                                          <p:attrName>style.visibility</p:attrName>
+                                        </p:attrNameLst>
+                                      </p:cBhvr>
+                                      <p:to>
+                                        <p:strVal val="visible"/>
+                                      </p:to>
+                                    </p:set>
+                                    <p:animEffect transition="in" filter="blinds(horizontal)">
+                                      <p:cBhvr>
+                                        <p:cTn id="64" dur="500"/>
+                                        <p:tgtEl>
+                                          <p:spTgt spid="67"/>
+                                        </p:tgtEl>
+                                      </p:cBhvr>
+                                    </p:animEffect>
+                                  </p:childTnLst>
+                                </p:cTn>
+                              </p:par>
+                              <p:par>
+                                <p:cTn id="65" presetID="3" presetClass="entr" presetSubtype="10" fill="hold" nodeType="withEffect">
+                                  <p:stCondLst>
+                                    <p:cond delay="0"/>
+                                  </p:stCondLst>
+                                  <p:childTnLst>
+                                    <p:set>
+                                      <p:cBhvr>
+                                        <p:cTn id="66" dur="1" fill="hold">
+                                          <p:stCondLst>
+                                            <p:cond delay="0"/>
+                                          </p:stCondLst>
+                                        </p:cTn>
+                                        <p:tgtEl>
+                                          <p:spTgt spid="69"/>
+                                        </p:tgtEl>
+                                        <p:attrNameLst>
+                                          <p:attrName>style.visibility</p:attrName>
+                                        </p:attrNameLst>
+                                      </p:cBhvr>
+                                      <p:to>
+                                        <p:strVal val="visible"/>
+                                      </p:to>
+                                    </p:set>
+                                    <p:animEffect transition="in" filter="blinds(horizontal)">
+                                      <p:cBhvr>
+                                        <p:cTn id="67" dur="500"/>
+                                        <p:tgtEl>
+                                          <p:spTgt spid="69"/>
+                                        </p:tgtEl>
+                                      </p:cBhvr>
+                                    </p:animEffect>
+                                  </p:childTnLst>
+                                </p:cTn>
+                              </p:par>
+                              <p:par>
+                                <p:cTn id="68" presetID="3" presetClass="entr" presetSubtype="10" fill="hold" nodeType="withEffect">
+                                  <p:stCondLst>
+                                    <p:cond delay="0"/>
+                                  </p:stCondLst>
+                                  <p:childTnLst>
+                                    <p:set>
+                                      <p:cBhvr>
+                                        <p:cTn id="69" dur="1" fill="hold">
+                                          <p:stCondLst>
+                                            <p:cond delay="0"/>
+                                          </p:stCondLst>
+                                        </p:cTn>
+                                        <p:tgtEl>
+                                          <p:spTgt spid="70"/>
+                                        </p:tgtEl>
+                                        <p:attrNameLst>
+                                          <p:attrName>style.visibility</p:attrName>
+                                        </p:attrNameLst>
+                                      </p:cBhvr>
+                                      <p:to>
+                                        <p:strVal val="visible"/>
+                                      </p:to>
+                                    </p:set>
+                                    <p:animEffect transition="in" filter="blinds(horizontal)">
+                                      <p:cBhvr>
+                                        <p:cTn id="70" dur="500"/>
+                                        <p:tgtEl>
+                                          <p:spTgt spid="70"/>
+                                        </p:tgtEl>
+                                      </p:cBhvr>
+                                    </p:animEffect>
+                                  </p:childTnLst>
+                                </p:cTn>
+                              </p:par>
+                              <p:par>
+                                <p:cTn id="71" presetID="3" presetClass="entr" presetSubtype="10" fill="hold" nodeType="withEffect">
+                                  <p:stCondLst>
+                                    <p:cond delay="0"/>
+                                  </p:stCondLst>
+                                  <p:childTnLst>
+                                    <p:set>
+                                      <p:cBhvr>
+                                        <p:cTn id="72" dur="1" fill="hold">
+                                          <p:stCondLst>
+                                            <p:cond delay="0"/>
+                                          </p:stCondLst>
+                                        </p:cTn>
+                                        <p:tgtEl>
+                                          <p:spTgt spid="72"/>
+                                        </p:tgtEl>
+                                        <p:attrNameLst>
+                                          <p:attrName>style.visibility</p:attrName>
+                                        </p:attrNameLst>
+                                      </p:cBhvr>
+                                      <p:to>
+                                        <p:strVal val="visible"/>
+                                      </p:to>
+                                    </p:set>
+                                    <p:animEffect transition="in" filter="blinds(horizontal)">
+                                      <p:cBhvr>
+                                        <p:cTn id="73" dur="500"/>
+                                        <p:tgtEl>
+                                          <p:spTgt spid="72"/>
+                                        </p:tgtEl>
+                                      </p:cBhvr>
+                                    </p:animEffect>
+                                  </p:childTnLst>
+                                </p:cTn>
+                              </p:par>
+                              <p:par>
+                                <p:cTn id="74" presetID="3" presetClass="entr" presetSubtype="10" fill="hold" nodeType="withEffect">
+                                  <p:stCondLst>
+                                    <p:cond delay="0"/>
+                                  </p:stCondLst>
+                                  <p:childTnLst>
+                                    <p:set>
+                                      <p:cBhvr>
+                                        <p:cTn id="75" dur="1" fill="hold">
+                                          <p:stCondLst>
+                                            <p:cond delay="0"/>
+                                          </p:stCondLst>
+                                        </p:cTn>
+                                        <p:tgtEl>
+                                          <p:spTgt spid="75"/>
+                                        </p:tgtEl>
+                                        <p:attrNameLst>
+                                          <p:attrName>style.visibility</p:attrName>
+                                        </p:attrNameLst>
+                                      </p:cBhvr>
+                                      <p:to>
+                                        <p:strVal val="visible"/>
+                                      </p:to>
+                                    </p:set>
+                                    <p:animEffect transition="in" filter="blinds(horizontal)">
+                                      <p:cBhvr>
+                                        <p:cTn id="76" dur="500"/>
+                                        <p:tgtEl>
+                                          <p:spTgt spid="75"/>
+                                        </p:tgtEl>
+                                      </p:cBhvr>
+                                    </p:animEffect>
+                                  </p:childTnLst>
+                                </p:cTn>
+                              </p:par>
+                            </p:childTnLst>
+                          </p:cTn>
+                        </p:par>
+                      </p:childTnLst>
+                    </p:cTn>
+                  </p:par>
+                </p:childTnLst>
+              </p:cTn>
+              <p:prevCondLst>
+                <p:cond evt="onPrev" delay="0">
+                  <p:tgtEl>
+                    <p:sldTgt/>
+                  </p:tgtEl>
+                </p:cond>
+              </p:prevCondLst>
+              <p:nextCondLst>
+                <p:cond evt="onNext" delay="0">
+                  <p:tgtEl>
+                    <p:sldTgt/>
+                  </p:tgtEl>
+                </p:cond>
+              </p:nextCondLst>
+            </p:seq>
+          </p:childTnLst>
+        </p:cTn>
+      </p:par>
+    </p:tnLst>
+    <p:bldLst>
+      <p:bldP spid="5" grpId="0" animBg="1"/>
+      <p:bldP spid="25" grpId="0" animBg="1"/>
+      <p:bldP spid="26" grpId="0" animBg="1"/>
+      <p:bldP spid="27" grpId="0" animBg="1"/>
+      <p:bldP spid="28" grpId="0" animBg="1"/>
+      <p:bldP spid="29" grpId="0" animBg="1"/>
+      <p:bldP spid="44" grpId="0" animBg="1"/>
+      <p:bldP spid="45" grpId="0" animBg="1"/>
+      <p:bldP spid="46" grpId="0" animBg="1"/>
+      <p:bldP spid="47" grpId="0" animBg="1"/>
+      <p:bldP spid="48" grpId="0" animBg="1"/>
+      <p:bldP spid="49" grpId="0" animBg="1"/>
+      <p:bldP spid="9" grpId="0" animBg="1"/>
+      <p:bldP spid="56" grpId="0" animBg="1"/>
+      <p:bldP spid="57" grpId="0" animBg="1"/>
+      <p:bldP spid="64" grpId="0" animBg="1"/>
+      <p:bldP spid="65" grpId="0" animBg="1"/>
+    </p:bldLst>
+  </p:timing>
+</p:sld>
+</file>
+
+<file path=ppt/slides/slide8.xml><?xml version="1.0" encoding="utf-8"?>
 <p:sld xmlns:a="http://schemas.openxmlformats.org/drawingml/2006/main" xmlns:r="http://schemas.openxmlformats.org/officeDocument/2006/relationships" xmlns:p="http://schemas.openxmlformats.org/presentationml/2006/main">
   <p:cSld>
     <p:spTree>
